--- a/기획안 최종발표_PPT.pptx
+++ b/기획안 최종발표_PPT.pptx
@@ -4,6 +4,9 @@
   <p:sldMasterIdLst>
     <p:sldMasterId id="2147483708" r:id="rId1"/>
   </p:sldMasterIdLst>
+  <p:notesMasterIdLst>
+    <p:notesMasterId r:id="rId25"/>
+  </p:notesMasterIdLst>
   <p:sldIdLst>
     <p:sldId id="267" r:id="rId2"/>
     <p:sldId id="266" r:id="rId3"/>
@@ -143,6 +146,3480 @@
     </p:ext>
   </p:extLst>
 </p:presentation>
+</file>
+
+<file path=ppt/notesMasters/notesMaster1.xml><?xml version="1.0" encoding="utf-8"?>
+<p:notesMaster xmlns:a="http://schemas.openxmlformats.org/drawingml/2006/main" xmlns:r="http://schemas.openxmlformats.org/officeDocument/2006/relationships" xmlns:p="http://schemas.openxmlformats.org/presentationml/2006/main">
+  <p:cSld>
+    <p:bg>
+      <p:bgRef idx="1001">
+        <a:schemeClr val="bg1"/>
+      </p:bgRef>
+    </p:bg>
+    <p:spTree>
+      <p:nvGrpSpPr>
+        <p:cNvPr id="1" name=""/>
+        <p:cNvGrpSpPr/>
+        <p:nvPr/>
+      </p:nvGrpSpPr>
+      <p:grpSpPr>
+        <a:xfrm>
+          <a:off x="0" y="0"/>
+          <a:ext cx="0" cy="0"/>
+          <a:chOff x="0" y="0"/>
+          <a:chExt cx="0" cy="0"/>
+        </a:xfrm>
+      </p:grpSpPr>
+      <p:sp>
+        <p:nvSpPr>
+          <p:cNvPr id="2" name="머리글 개체 틀 1"/>
+          <p:cNvSpPr>
+            <a:spLocks noGrp="1"/>
+          </p:cNvSpPr>
+          <p:nvPr>
+            <p:ph type="hdr" sz="quarter"/>
+          </p:nvPr>
+        </p:nvSpPr>
+        <p:spPr>
+          <a:xfrm>
+            <a:off x="0" y="0"/>
+            <a:ext cx="2971800" cy="458788"/>
+          </a:xfrm>
+          <a:prstGeom prst="rect">
+            <a:avLst/>
+          </a:prstGeom>
+        </p:spPr>
+        <p:txBody>
+          <a:bodyPr vert="horz" lIns="91440" tIns="45720" rIns="91440" bIns="45720" rtlCol="0"/>
+          <a:lstStyle>
+            <a:lvl1pPr algn="l">
+              <a:defRPr sz="1200"/>
+            </a:lvl1pPr>
+          </a:lstStyle>
+          <a:p>
+            <a:endParaRPr lang="ko-KR" altLang="en-US"/>
+          </a:p>
+        </p:txBody>
+      </p:sp>
+      <p:sp>
+        <p:nvSpPr>
+          <p:cNvPr id="3" name="날짜 개체 틀 2"/>
+          <p:cNvSpPr>
+            <a:spLocks noGrp="1"/>
+          </p:cNvSpPr>
+          <p:nvPr>
+            <p:ph type="dt" idx="1"/>
+          </p:nvPr>
+        </p:nvSpPr>
+        <p:spPr>
+          <a:xfrm>
+            <a:off x="3884613" y="0"/>
+            <a:ext cx="2971800" cy="458788"/>
+          </a:xfrm>
+          <a:prstGeom prst="rect">
+            <a:avLst/>
+          </a:prstGeom>
+        </p:spPr>
+        <p:txBody>
+          <a:bodyPr vert="horz" lIns="91440" tIns="45720" rIns="91440" bIns="45720" rtlCol="0"/>
+          <a:lstStyle>
+            <a:lvl1pPr algn="r">
+              <a:defRPr sz="1200"/>
+            </a:lvl1pPr>
+          </a:lstStyle>
+          <a:p>
+            <a:fld id="{D56B312F-5D9B-4535-A8D4-30AD9D2E1AA0}" type="datetimeFigureOut">
+              <a:rPr lang="ko-KR" altLang="en-US" smtClean="0"/>
+              <a:t>2022-08-22</a:t>
+            </a:fld>
+            <a:endParaRPr lang="ko-KR" altLang="en-US"/>
+          </a:p>
+        </p:txBody>
+      </p:sp>
+      <p:sp>
+        <p:nvSpPr>
+          <p:cNvPr id="4" name="슬라이드 이미지 개체 틀 3"/>
+          <p:cNvSpPr>
+            <a:spLocks noGrp="1" noRot="1" noChangeAspect="1"/>
+          </p:cNvSpPr>
+          <p:nvPr>
+            <p:ph type="sldImg" idx="2"/>
+          </p:nvPr>
+        </p:nvSpPr>
+        <p:spPr>
+          <a:xfrm>
+            <a:off x="1371600" y="1143000"/>
+            <a:ext cx="4114800" cy="3086100"/>
+          </a:xfrm>
+          <a:prstGeom prst="rect">
+            <a:avLst/>
+          </a:prstGeom>
+          <a:noFill/>
+          <a:ln w="12700">
+            <a:solidFill>
+              <a:prstClr val="black"/>
+            </a:solidFill>
+          </a:ln>
+        </p:spPr>
+        <p:txBody>
+          <a:bodyPr vert="horz" lIns="91440" tIns="45720" rIns="91440" bIns="45720" rtlCol="0" anchor="ctr"/>
+          <a:lstStyle/>
+          <a:p>
+            <a:endParaRPr lang="ko-KR" altLang="en-US"/>
+          </a:p>
+        </p:txBody>
+      </p:sp>
+      <p:sp>
+        <p:nvSpPr>
+          <p:cNvPr id="5" name="슬라이드 노트 개체 틀 4"/>
+          <p:cNvSpPr>
+            <a:spLocks noGrp="1"/>
+          </p:cNvSpPr>
+          <p:nvPr>
+            <p:ph type="body" sz="quarter" idx="3"/>
+          </p:nvPr>
+        </p:nvSpPr>
+        <p:spPr>
+          <a:xfrm>
+            <a:off x="685800" y="4400550"/>
+            <a:ext cx="5486400" cy="3600450"/>
+          </a:xfrm>
+          <a:prstGeom prst="rect">
+            <a:avLst/>
+          </a:prstGeom>
+        </p:spPr>
+        <p:txBody>
+          <a:bodyPr vert="horz" lIns="91440" tIns="45720" rIns="91440" bIns="45720" rtlCol="0"/>
+          <a:lstStyle/>
+          <a:p>
+            <a:pPr lvl="0"/>
+            <a:r>
+              <a:rPr lang="ko-KR" altLang="en-US"/>
+              <a:t>마스터 텍스트 스타일을 편집하려면 클릭</a:t>
+            </a:r>
+          </a:p>
+          <a:p>
+            <a:pPr lvl="1"/>
+            <a:r>
+              <a:rPr lang="ko-KR" altLang="en-US"/>
+              <a:t>두 번째 수준</a:t>
+            </a:r>
+          </a:p>
+          <a:p>
+            <a:pPr lvl="2"/>
+            <a:r>
+              <a:rPr lang="ko-KR" altLang="en-US"/>
+              <a:t>세 번째 수준</a:t>
+            </a:r>
+          </a:p>
+          <a:p>
+            <a:pPr lvl="3"/>
+            <a:r>
+              <a:rPr lang="ko-KR" altLang="en-US"/>
+              <a:t>네 번째 수준</a:t>
+            </a:r>
+          </a:p>
+          <a:p>
+            <a:pPr lvl="4"/>
+            <a:r>
+              <a:rPr lang="ko-KR" altLang="en-US"/>
+              <a:t>다섯 번째 수준</a:t>
+            </a:r>
+          </a:p>
+        </p:txBody>
+      </p:sp>
+      <p:sp>
+        <p:nvSpPr>
+          <p:cNvPr id="6" name="바닥글 개체 틀 5"/>
+          <p:cNvSpPr>
+            <a:spLocks noGrp="1"/>
+          </p:cNvSpPr>
+          <p:nvPr>
+            <p:ph type="ftr" sz="quarter" idx="4"/>
+          </p:nvPr>
+        </p:nvSpPr>
+        <p:spPr>
+          <a:xfrm>
+            <a:off x="0" y="8685213"/>
+            <a:ext cx="2971800" cy="458787"/>
+          </a:xfrm>
+          <a:prstGeom prst="rect">
+            <a:avLst/>
+          </a:prstGeom>
+        </p:spPr>
+        <p:txBody>
+          <a:bodyPr vert="horz" lIns="91440" tIns="45720" rIns="91440" bIns="45720" rtlCol="0" anchor="b"/>
+          <a:lstStyle>
+            <a:lvl1pPr algn="l">
+              <a:defRPr sz="1200"/>
+            </a:lvl1pPr>
+          </a:lstStyle>
+          <a:p>
+            <a:endParaRPr lang="ko-KR" altLang="en-US"/>
+          </a:p>
+        </p:txBody>
+      </p:sp>
+      <p:sp>
+        <p:nvSpPr>
+          <p:cNvPr id="7" name="슬라이드 번호 개체 틀 6"/>
+          <p:cNvSpPr>
+            <a:spLocks noGrp="1"/>
+          </p:cNvSpPr>
+          <p:nvPr>
+            <p:ph type="sldNum" sz="quarter" idx="5"/>
+          </p:nvPr>
+        </p:nvSpPr>
+        <p:spPr>
+          <a:xfrm>
+            <a:off x="3884613" y="8685213"/>
+            <a:ext cx="2971800" cy="458787"/>
+          </a:xfrm>
+          <a:prstGeom prst="rect">
+            <a:avLst/>
+          </a:prstGeom>
+        </p:spPr>
+        <p:txBody>
+          <a:bodyPr vert="horz" lIns="91440" tIns="45720" rIns="91440" bIns="45720" rtlCol="0" anchor="b"/>
+          <a:lstStyle>
+            <a:lvl1pPr algn="r">
+              <a:defRPr sz="1200"/>
+            </a:lvl1pPr>
+          </a:lstStyle>
+          <a:p>
+            <a:fld id="{21259E9D-A224-4BC1-A3DA-46B9CBA70860}" type="slidenum">
+              <a:rPr lang="ko-KR" altLang="en-US" smtClean="0"/>
+              <a:t>‹#›</a:t>
+            </a:fld>
+            <a:endParaRPr lang="ko-KR" altLang="en-US"/>
+          </a:p>
+        </p:txBody>
+      </p:sp>
+    </p:spTree>
+    <p:extLst>
+      <p:ext uri="{BB962C8B-B14F-4D97-AF65-F5344CB8AC3E}">
+        <p14:creationId xmlns:p14="http://schemas.microsoft.com/office/powerpoint/2010/main" val="875147474"/>
+      </p:ext>
+    </p:extLst>
+  </p:cSld>
+  <p:clrMap bg1="lt1" tx1="dk1" bg2="lt2" tx2="dk2" accent1="accent1" accent2="accent2" accent3="accent3" accent4="accent4" accent5="accent5" accent6="accent6" hlink="hlink" folHlink="folHlink"/>
+  <p:notesStyle>
+    <a:lvl1pPr marL="0" algn="l" defTabSz="914400" rtl="0" eaLnBrk="1" latinLnBrk="1" hangingPunct="1">
+      <a:defRPr sz="1200" kern="1200">
+        <a:solidFill>
+          <a:schemeClr val="tx1"/>
+        </a:solidFill>
+        <a:latin typeface="+mn-lt"/>
+        <a:ea typeface="+mn-ea"/>
+        <a:cs typeface="+mn-cs"/>
+      </a:defRPr>
+    </a:lvl1pPr>
+    <a:lvl2pPr marL="457200" algn="l" defTabSz="914400" rtl="0" eaLnBrk="1" latinLnBrk="1" hangingPunct="1">
+      <a:defRPr sz="1200" kern="1200">
+        <a:solidFill>
+          <a:schemeClr val="tx1"/>
+        </a:solidFill>
+        <a:latin typeface="+mn-lt"/>
+        <a:ea typeface="+mn-ea"/>
+        <a:cs typeface="+mn-cs"/>
+      </a:defRPr>
+    </a:lvl2pPr>
+    <a:lvl3pPr marL="914400" algn="l" defTabSz="914400" rtl="0" eaLnBrk="1" latinLnBrk="1" hangingPunct="1">
+      <a:defRPr sz="1200" kern="1200">
+        <a:solidFill>
+          <a:schemeClr val="tx1"/>
+        </a:solidFill>
+        <a:latin typeface="+mn-lt"/>
+        <a:ea typeface="+mn-ea"/>
+        <a:cs typeface="+mn-cs"/>
+      </a:defRPr>
+    </a:lvl3pPr>
+    <a:lvl4pPr marL="1371600" algn="l" defTabSz="914400" rtl="0" eaLnBrk="1" latinLnBrk="1" hangingPunct="1">
+      <a:defRPr sz="1200" kern="1200">
+        <a:solidFill>
+          <a:schemeClr val="tx1"/>
+        </a:solidFill>
+        <a:latin typeface="+mn-lt"/>
+        <a:ea typeface="+mn-ea"/>
+        <a:cs typeface="+mn-cs"/>
+      </a:defRPr>
+    </a:lvl4pPr>
+    <a:lvl5pPr marL="1828800" algn="l" defTabSz="914400" rtl="0" eaLnBrk="1" latinLnBrk="1" hangingPunct="1">
+      <a:defRPr sz="1200" kern="1200">
+        <a:solidFill>
+          <a:schemeClr val="tx1"/>
+        </a:solidFill>
+        <a:latin typeface="+mn-lt"/>
+        <a:ea typeface="+mn-ea"/>
+        <a:cs typeface="+mn-cs"/>
+      </a:defRPr>
+    </a:lvl5pPr>
+    <a:lvl6pPr marL="2286000" algn="l" defTabSz="914400" rtl="0" eaLnBrk="1" latinLnBrk="1" hangingPunct="1">
+      <a:defRPr sz="1200" kern="1200">
+        <a:solidFill>
+          <a:schemeClr val="tx1"/>
+        </a:solidFill>
+        <a:latin typeface="+mn-lt"/>
+        <a:ea typeface="+mn-ea"/>
+        <a:cs typeface="+mn-cs"/>
+      </a:defRPr>
+    </a:lvl6pPr>
+    <a:lvl7pPr marL="2743200" algn="l" defTabSz="914400" rtl="0" eaLnBrk="1" latinLnBrk="1" hangingPunct="1">
+      <a:defRPr sz="1200" kern="1200">
+        <a:solidFill>
+          <a:schemeClr val="tx1"/>
+        </a:solidFill>
+        <a:latin typeface="+mn-lt"/>
+        <a:ea typeface="+mn-ea"/>
+        <a:cs typeface="+mn-cs"/>
+      </a:defRPr>
+    </a:lvl7pPr>
+    <a:lvl8pPr marL="3200400" algn="l" defTabSz="914400" rtl="0" eaLnBrk="1" latinLnBrk="1" hangingPunct="1">
+      <a:defRPr sz="1200" kern="1200">
+        <a:solidFill>
+          <a:schemeClr val="tx1"/>
+        </a:solidFill>
+        <a:latin typeface="+mn-lt"/>
+        <a:ea typeface="+mn-ea"/>
+        <a:cs typeface="+mn-cs"/>
+      </a:defRPr>
+    </a:lvl8pPr>
+    <a:lvl9pPr marL="3657600" algn="l" defTabSz="914400" rtl="0" eaLnBrk="1" latinLnBrk="1" hangingPunct="1">
+      <a:defRPr sz="1200" kern="1200">
+        <a:solidFill>
+          <a:schemeClr val="tx1"/>
+        </a:solidFill>
+        <a:latin typeface="+mn-lt"/>
+        <a:ea typeface="+mn-ea"/>
+        <a:cs typeface="+mn-cs"/>
+      </a:defRPr>
+    </a:lvl9pPr>
+  </p:notesStyle>
+</p:notesMaster>
+</file>
+
+<file path=ppt/notesSlides/notesSlide1.xml><?xml version="1.0" encoding="utf-8"?>
+<p:notes xmlns:a="http://schemas.openxmlformats.org/drawingml/2006/main" xmlns:r="http://schemas.openxmlformats.org/officeDocument/2006/relationships" xmlns:p="http://schemas.openxmlformats.org/presentationml/2006/main">
+  <p:cSld>
+    <p:spTree>
+      <p:nvGrpSpPr>
+        <p:cNvPr id="1" name=""/>
+        <p:cNvGrpSpPr/>
+        <p:nvPr/>
+      </p:nvGrpSpPr>
+      <p:grpSpPr>
+        <a:xfrm>
+          <a:off x="0" y="0"/>
+          <a:ext cx="0" cy="0"/>
+          <a:chOff x="0" y="0"/>
+          <a:chExt cx="0" cy="0"/>
+        </a:xfrm>
+      </p:grpSpPr>
+      <p:sp>
+        <p:nvSpPr>
+          <p:cNvPr id="2" name="슬라이드 이미지 개체 틀 1"/>
+          <p:cNvSpPr>
+            <a:spLocks noGrp="1" noRot="1" noChangeAspect="1"/>
+          </p:cNvSpPr>
+          <p:nvPr>
+            <p:ph type="sldImg"/>
+          </p:nvPr>
+        </p:nvSpPr>
+        <p:spPr/>
+      </p:sp>
+      <p:sp>
+        <p:nvSpPr>
+          <p:cNvPr id="3" name="슬라이드 노트 개체 틀 2"/>
+          <p:cNvSpPr>
+            <a:spLocks noGrp="1"/>
+          </p:cNvSpPr>
+          <p:nvPr>
+            <p:ph type="body" idx="1"/>
+          </p:nvPr>
+        </p:nvSpPr>
+        <p:spPr/>
+        <p:txBody>
+          <a:bodyPr/>
+          <a:lstStyle/>
+          <a:p>
+            <a:r>
+              <a:rPr lang="ko-KR" altLang="en-US" dirty="0"/>
+              <a:t>안녕하십니까 이번에 발표를 </a:t>
+            </a:r>
+            <a:r>
+              <a:rPr lang="ko-KR" altLang="en-US" dirty="0" err="1"/>
+              <a:t>맡게된</a:t>
+            </a:r>
+            <a:r>
+              <a:rPr lang="ko-KR" altLang="en-US" dirty="0"/>
+              <a:t> 부동산팀 오세영 입니다</a:t>
+            </a:r>
+            <a:r>
+              <a:rPr lang="en-US" altLang="ko-KR" dirty="0"/>
+              <a:t>.</a:t>
+            </a:r>
+          </a:p>
+          <a:p>
+            <a:r>
+              <a:rPr lang="ko-KR" altLang="en-US" dirty="0"/>
+              <a:t>이번 프로젝트에서 저희는 청약에 관한 정보들을 </a:t>
+            </a:r>
+            <a:endParaRPr lang="en-US" altLang="ko-KR" dirty="0"/>
+          </a:p>
+          <a:p>
+            <a:r>
+              <a:rPr lang="ko-KR" altLang="en-US" dirty="0" err="1"/>
+              <a:t>챗봇으로</a:t>
+            </a:r>
+            <a:r>
+              <a:rPr lang="ko-KR" altLang="en-US" dirty="0"/>
+              <a:t> 만드는 프로젝트를 진행하게 되었습니다</a:t>
+            </a:r>
+            <a:r>
+              <a:rPr lang="en-US" altLang="ko-KR" dirty="0"/>
+              <a:t>.</a:t>
+            </a:r>
+            <a:endParaRPr lang="ko-KR" altLang="en-US" dirty="0"/>
+          </a:p>
+        </p:txBody>
+      </p:sp>
+      <p:sp>
+        <p:nvSpPr>
+          <p:cNvPr id="4" name="슬라이드 번호 개체 틀 3"/>
+          <p:cNvSpPr>
+            <a:spLocks noGrp="1"/>
+          </p:cNvSpPr>
+          <p:nvPr>
+            <p:ph type="sldNum" sz="quarter" idx="5"/>
+          </p:nvPr>
+        </p:nvSpPr>
+        <p:spPr/>
+        <p:txBody>
+          <a:bodyPr/>
+          <a:lstStyle/>
+          <a:p>
+            <a:fld id="{21259E9D-A224-4BC1-A3DA-46B9CBA70860}" type="slidenum">
+              <a:rPr lang="ko-KR" altLang="en-US" smtClean="0"/>
+              <a:t>1</a:t>
+            </a:fld>
+            <a:endParaRPr lang="ko-KR" altLang="en-US"/>
+          </a:p>
+        </p:txBody>
+      </p:sp>
+    </p:spTree>
+    <p:extLst>
+      <p:ext uri="{BB962C8B-B14F-4D97-AF65-F5344CB8AC3E}">
+        <p14:creationId xmlns:p14="http://schemas.microsoft.com/office/powerpoint/2010/main" val="992130324"/>
+      </p:ext>
+    </p:extLst>
+  </p:cSld>
+  <p:clrMapOvr>
+    <a:masterClrMapping/>
+  </p:clrMapOvr>
+</p:notes>
+</file>
+
+<file path=ppt/notesSlides/notesSlide10.xml><?xml version="1.0" encoding="utf-8"?>
+<p:notes xmlns:a="http://schemas.openxmlformats.org/drawingml/2006/main" xmlns:r="http://schemas.openxmlformats.org/officeDocument/2006/relationships" xmlns:p="http://schemas.openxmlformats.org/presentationml/2006/main">
+  <p:cSld>
+    <p:spTree>
+      <p:nvGrpSpPr>
+        <p:cNvPr id="1" name=""/>
+        <p:cNvGrpSpPr/>
+        <p:nvPr/>
+      </p:nvGrpSpPr>
+      <p:grpSpPr>
+        <a:xfrm>
+          <a:off x="0" y="0"/>
+          <a:ext cx="0" cy="0"/>
+          <a:chOff x="0" y="0"/>
+          <a:chExt cx="0" cy="0"/>
+        </a:xfrm>
+      </p:grpSpPr>
+      <p:sp>
+        <p:nvSpPr>
+          <p:cNvPr id="2" name="슬라이드 이미지 개체 틀 1"/>
+          <p:cNvSpPr>
+            <a:spLocks noGrp="1" noRot="1" noChangeAspect="1"/>
+          </p:cNvSpPr>
+          <p:nvPr>
+            <p:ph type="sldImg"/>
+          </p:nvPr>
+        </p:nvSpPr>
+        <p:spPr/>
+      </p:sp>
+      <p:sp>
+        <p:nvSpPr>
+          <p:cNvPr id="3" name="슬라이드 노트 개체 틀 2"/>
+          <p:cNvSpPr>
+            <a:spLocks noGrp="1"/>
+          </p:cNvSpPr>
+          <p:nvPr>
+            <p:ph type="body" idx="1"/>
+          </p:nvPr>
+        </p:nvSpPr>
+        <p:spPr/>
+        <p:txBody>
+          <a:bodyPr/>
+          <a:lstStyle/>
+          <a:p>
+            <a:r>
+              <a:rPr lang="ko-KR" altLang="en-US" dirty="0"/>
+              <a:t>다음은 </a:t>
+            </a:r>
+            <a:r>
+              <a:rPr lang="ko-KR" altLang="en-US" dirty="0" err="1"/>
+              <a:t>챗봇의</a:t>
+            </a:r>
+            <a:r>
+              <a:rPr lang="ko-KR" altLang="en-US" dirty="0"/>
+              <a:t> 예상 구조를 </a:t>
+            </a:r>
+            <a:r>
+              <a:rPr lang="ko-KR" altLang="en-US" dirty="0" err="1"/>
+              <a:t>설명드리겠습니다</a:t>
+            </a:r>
+            <a:r>
+              <a:rPr lang="en-US" altLang="ko-KR" dirty="0"/>
+              <a:t>.</a:t>
+            </a:r>
+          </a:p>
+          <a:p>
+            <a:endParaRPr lang="en-US" altLang="ko-KR" dirty="0"/>
+          </a:p>
+          <a:p>
+            <a:r>
+              <a:rPr lang="ko-KR" altLang="en-US" dirty="0"/>
+              <a:t>메인 화면에서 주택청약 </a:t>
+            </a:r>
+            <a:r>
+              <a:rPr lang="ko-KR" altLang="en-US" dirty="0" err="1"/>
+              <a:t>챗봇</a:t>
+            </a:r>
+            <a:r>
+              <a:rPr lang="ko-KR" altLang="en-US" dirty="0"/>
+              <a:t> 화면이 나오고 </a:t>
+            </a:r>
+            <a:endParaRPr lang="en-US" altLang="ko-KR" dirty="0"/>
+          </a:p>
+          <a:p>
+            <a:r>
+              <a:rPr lang="ko-KR" altLang="en-US" dirty="0"/>
+              <a:t>여기에서 </a:t>
+            </a:r>
+            <a:r>
+              <a:rPr lang="en-US" altLang="ko-KR" dirty="0"/>
+              <a:t>'</a:t>
+            </a:r>
+            <a:r>
+              <a:rPr lang="ko-KR" altLang="en-US" dirty="0"/>
+              <a:t>공고</a:t>
+            </a:r>
+            <a:r>
+              <a:rPr lang="en-US" altLang="ko-KR" dirty="0"/>
+              <a:t>' </a:t>
+            </a:r>
+            <a:r>
+              <a:rPr lang="ko-KR" altLang="en-US" dirty="0"/>
+              <a:t>파트 나 </a:t>
+            </a:r>
+            <a:r>
+              <a:rPr lang="en-US" altLang="ko-KR" dirty="0"/>
+              <a:t>'</a:t>
+            </a:r>
+            <a:r>
+              <a:rPr lang="ko-KR" altLang="en-US" dirty="0"/>
+              <a:t>분양조건</a:t>
+            </a:r>
+            <a:r>
+              <a:rPr lang="en-US" altLang="ko-KR" dirty="0"/>
+              <a:t>' </a:t>
+            </a:r>
+            <a:r>
+              <a:rPr lang="ko-KR" altLang="en-US" dirty="0"/>
+              <a:t>파트로 들어갑니다</a:t>
+            </a:r>
+            <a:r>
+              <a:rPr lang="en-US" altLang="ko-KR" dirty="0"/>
+              <a:t>.</a:t>
+            </a:r>
+          </a:p>
+          <a:p>
+            <a:endParaRPr lang="en-US" altLang="ko-KR" dirty="0"/>
+          </a:p>
+          <a:p>
+            <a:r>
+              <a:rPr lang="en-US" altLang="ko-KR" dirty="0"/>
+              <a:t>'</a:t>
+            </a:r>
+            <a:r>
+              <a:rPr lang="ko-KR" altLang="en-US" dirty="0"/>
+              <a:t>공고</a:t>
+            </a:r>
+            <a:r>
+              <a:rPr lang="en-US" altLang="ko-KR" dirty="0"/>
+              <a:t>' </a:t>
+            </a:r>
+            <a:r>
+              <a:rPr lang="ko-KR" altLang="en-US" dirty="0"/>
+              <a:t>파트에서는 사용자가 알고 싶은 지역을 입력할 시 </a:t>
+            </a:r>
+            <a:endParaRPr lang="en-US" altLang="ko-KR" dirty="0"/>
+          </a:p>
+          <a:p>
+            <a:r>
+              <a:rPr lang="ko-KR" altLang="en-US" dirty="0"/>
+              <a:t>그 지역에 해당하는 공고가 출력 됩니다</a:t>
+            </a:r>
+            <a:r>
+              <a:rPr lang="en-US" altLang="ko-KR" dirty="0"/>
+              <a:t>.</a:t>
+            </a:r>
+          </a:p>
+          <a:p>
+            <a:endParaRPr lang="en-US" altLang="ko-KR" dirty="0"/>
+          </a:p>
+          <a:p>
+            <a:r>
+              <a:rPr lang="en-US" altLang="ko-KR" dirty="0"/>
+              <a:t>'</a:t>
+            </a:r>
+            <a:r>
+              <a:rPr lang="ko-KR" altLang="en-US" dirty="0"/>
+              <a:t>분양조건</a:t>
+            </a:r>
+            <a:r>
+              <a:rPr lang="en-US" altLang="ko-KR" dirty="0"/>
+              <a:t>' </a:t>
+            </a:r>
+            <a:r>
+              <a:rPr lang="ko-KR" altLang="en-US" dirty="0"/>
+              <a:t>파트에서는 먼저 </a:t>
+            </a:r>
+            <a:r>
+              <a:rPr lang="en-US" altLang="ko-KR" dirty="0"/>
+              <a:t>'</a:t>
+            </a:r>
+            <a:r>
+              <a:rPr lang="ko-KR" altLang="en-US" dirty="0"/>
+              <a:t>공공분양</a:t>
+            </a:r>
+            <a:r>
+              <a:rPr lang="en-US" altLang="ko-KR" dirty="0"/>
+              <a:t>', '</a:t>
+            </a:r>
+            <a:r>
+              <a:rPr lang="ko-KR" altLang="en-US" dirty="0"/>
+              <a:t>민간분양</a:t>
+            </a:r>
+            <a:r>
+              <a:rPr lang="en-US" altLang="ko-KR" dirty="0"/>
+              <a:t>' </a:t>
+            </a:r>
+            <a:r>
+              <a:rPr lang="ko-KR" altLang="en-US" dirty="0"/>
+              <a:t>으로 나뉘고</a:t>
+            </a:r>
+            <a:r>
+              <a:rPr lang="en-US" altLang="ko-KR" dirty="0"/>
+              <a:t>, </a:t>
+            </a:r>
+          </a:p>
+          <a:p>
+            <a:r>
+              <a:rPr lang="ko-KR" altLang="en-US" dirty="0"/>
+              <a:t>공통적으로 </a:t>
+            </a:r>
+            <a:r>
+              <a:rPr lang="en-US" altLang="ko-KR" dirty="0"/>
+              <a:t>'</a:t>
+            </a:r>
+            <a:r>
+              <a:rPr lang="ko-KR" altLang="en-US" dirty="0"/>
+              <a:t>특별</a:t>
+            </a:r>
+            <a:r>
+              <a:rPr lang="en-US" altLang="ko-KR" dirty="0"/>
+              <a:t>', '</a:t>
+            </a:r>
+            <a:r>
+              <a:rPr lang="ko-KR" altLang="en-US" dirty="0"/>
+              <a:t>우선</a:t>
+            </a:r>
+            <a:r>
+              <a:rPr lang="en-US" altLang="ko-KR" dirty="0"/>
+              <a:t>', '</a:t>
+            </a:r>
+            <a:r>
+              <a:rPr lang="ko-KR" altLang="en-US" dirty="0"/>
+              <a:t>일반</a:t>
+            </a:r>
+            <a:r>
+              <a:rPr lang="en-US" altLang="ko-KR" dirty="0"/>
+              <a:t>' </a:t>
+            </a:r>
+            <a:r>
+              <a:rPr lang="ko-KR" altLang="en-US" dirty="0"/>
+              <a:t>유형이 있습니다</a:t>
+            </a:r>
+            <a:r>
+              <a:rPr lang="en-US" altLang="ko-KR" dirty="0"/>
+              <a:t>.</a:t>
+            </a:r>
+          </a:p>
+          <a:p>
+            <a:endParaRPr lang="en-US" altLang="ko-KR" dirty="0"/>
+          </a:p>
+          <a:p>
+            <a:r>
+              <a:rPr lang="ko-KR" altLang="en-US" dirty="0"/>
+              <a:t>각 유형의 조건들은 비슷하지만 조금씩 다르기 때문에 </a:t>
+            </a:r>
+          </a:p>
+          <a:p>
+            <a:r>
+              <a:rPr lang="en-US" altLang="ko-KR" dirty="0"/>
+              <a:t>1</a:t>
+            </a:r>
+            <a:r>
+              <a:rPr lang="ko-KR" altLang="en-US" dirty="0"/>
+              <a:t>차로 각각의 조건들에 맞게 이미지를 활용한 간단한 정보를 제공하고</a:t>
+            </a:r>
+            <a:r>
+              <a:rPr lang="en-US" altLang="ko-KR" dirty="0"/>
+              <a:t>,</a:t>
+            </a:r>
+          </a:p>
+          <a:p>
+            <a:r>
+              <a:rPr lang="en-US" altLang="ko-KR" dirty="0"/>
+              <a:t>2</a:t>
+            </a:r>
+            <a:r>
+              <a:rPr lang="ko-KR" altLang="en-US" dirty="0"/>
+              <a:t>차로 상세 조건이 나온 </a:t>
+            </a:r>
+            <a:r>
+              <a:rPr lang="en-US" altLang="ko-KR" dirty="0"/>
+              <a:t>URL</a:t>
+            </a:r>
+            <a:r>
+              <a:rPr lang="ko-KR" altLang="en-US" dirty="0"/>
+              <a:t>을 이미지클릭으로 들어갈 수 있게 합니다</a:t>
+            </a:r>
+            <a:r>
+              <a:rPr lang="en-US" altLang="ko-KR" dirty="0"/>
+              <a:t>.</a:t>
+            </a:r>
+          </a:p>
+          <a:p>
+            <a:endParaRPr lang="en-US" altLang="ko-KR" dirty="0"/>
+          </a:p>
+          <a:p>
+            <a:r>
+              <a:rPr lang="en-US" altLang="ko-KR" dirty="0"/>
+              <a:t>'</a:t>
+            </a:r>
+            <a:r>
+              <a:rPr lang="ko-KR" altLang="en-US" dirty="0"/>
+              <a:t>민간분양</a:t>
+            </a:r>
+            <a:r>
+              <a:rPr lang="en-US" altLang="ko-KR" dirty="0"/>
+              <a:t>' </a:t>
+            </a:r>
+            <a:r>
+              <a:rPr lang="ko-KR" altLang="en-US" dirty="0"/>
+              <a:t>의 </a:t>
+            </a:r>
+            <a:r>
+              <a:rPr lang="en-US" altLang="ko-KR" dirty="0"/>
+              <a:t>'</a:t>
+            </a:r>
+            <a:r>
+              <a:rPr lang="ko-KR" altLang="en-US" dirty="0"/>
+              <a:t>일반</a:t>
+            </a:r>
+            <a:r>
+              <a:rPr lang="en-US" altLang="ko-KR" dirty="0"/>
+              <a:t>' </a:t>
+            </a:r>
+            <a:r>
+              <a:rPr lang="ko-KR" altLang="en-US" dirty="0"/>
+              <a:t>분양은 예외적으로 </a:t>
+            </a:r>
+            <a:r>
+              <a:rPr lang="ko-KR" altLang="en-US" dirty="0" err="1"/>
+              <a:t>가점제</a:t>
+            </a:r>
+            <a:r>
+              <a:rPr lang="en-US" altLang="ko-KR" dirty="0"/>
+              <a:t>, </a:t>
+            </a:r>
+            <a:r>
+              <a:rPr lang="ko-KR" altLang="en-US" dirty="0"/>
+              <a:t>즉 가점에 의한 순위결정이 있을 수 있어</a:t>
+            </a:r>
+          </a:p>
+          <a:p>
+            <a:r>
+              <a:rPr lang="ko-KR" altLang="en-US" dirty="0"/>
+              <a:t>우선 가점표를 출력하여 사용자가 자신에게 해당하는 조건을 입력하면</a:t>
+            </a:r>
+          </a:p>
+          <a:p>
+            <a:r>
+              <a:rPr lang="ko-KR" altLang="en-US" dirty="0"/>
+              <a:t>그 입력한 정보에 맞는 점수의 합을 출력하는 </a:t>
+            </a:r>
+            <a:r>
+              <a:rPr lang="en-US" altLang="ko-KR" dirty="0"/>
+              <a:t>'</a:t>
+            </a:r>
+            <a:r>
+              <a:rPr lang="ko-KR" altLang="en-US" dirty="0"/>
+              <a:t>가점계산기 기능</a:t>
+            </a:r>
+            <a:r>
+              <a:rPr lang="en-US" altLang="ko-KR" dirty="0"/>
+              <a:t>' </a:t>
+            </a:r>
+            <a:r>
+              <a:rPr lang="ko-KR" altLang="en-US" dirty="0"/>
+              <a:t>을 만들 예정입니다</a:t>
+            </a:r>
+            <a:r>
+              <a:rPr lang="en-US" altLang="ko-KR" dirty="0"/>
+              <a:t>.</a:t>
+            </a:r>
+            <a:endParaRPr lang="ko-KR" altLang="en-US" dirty="0"/>
+          </a:p>
+        </p:txBody>
+      </p:sp>
+      <p:sp>
+        <p:nvSpPr>
+          <p:cNvPr id="4" name="슬라이드 번호 개체 틀 3"/>
+          <p:cNvSpPr>
+            <a:spLocks noGrp="1"/>
+          </p:cNvSpPr>
+          <p:nvPr>
+            <p:ph type="sldNum" sz="quarter" idx="5"/>
+          </p:nvPr>
+        </p:nvSpPr>
+        <p:spPr/>
+        <p:txBody>
+          <a:bodyPr/>
+          <a:lstStyle/>
+          <a:p>
+            <a:fld id="{21259E9D-A224-4BC1-A3DA-46B9CBA70860}" type="slidenum">
+              <a:rPr lang="ko-KR" altLang="en-US" smtClean="0"/>
+              <a:t>10</a:t>
+            </a:fld>
+            <a:endParaRPr lang="ko-KR" altLang="en-US"/>
+          </a:p>
+        </p:txBody>
+      </p:sp>
+    </p:spTree>
+    <p:extLst>
+      <p:ext uri="{BB962C8B-B14F-4D97-AF65-F5344CB8AC3E}">
+        <p14:creationId xmlns:p14="http://schemas.microsoft.com/office/powerpoint/2010/main" val="2621022324"/>
+      </p:ext>
+    </p:extLst>
+  </p:cSld>
+  <p:clrMapOvr>
+    <a:masterClrMapping/>
+  </p:clrMapOvr>
+</p:notes>
+</file>
+
+<file path=ppt/notesSlides/notesSlide11.xml><?xml version="1.0" encoding="utf-8"?>
+<p:notes xmlns:a="http://schemas.openxmlformats.org/drawingml/2006/main" xmlns:r="http://schemas.openxmlformats.org/officeDocument/2006/relationships" xmlns:p="http://schemas.openxmlformats.org/presentationml/2006/main">
+  <p:cSld>
+    <p:spTree>
+      <p:nvGrpSpPr>
+        <p:cNvPr id="1" name=""/>
+        <p:cNvGrpSpPr/>
+        <p:nvPr/>
+      </p:nvGrpSpPr>
+      <p:grpSpPr>
+        <a:xfrm>
+          <a:off x="0" y="0"/>
+          <a:ext cx="0" cy="0"/>
+          <a:chOff x="0" y="0"/>
+          <a:chExt cx="0" cy="0"/>
+        </a:xfrm>
+      </p:grpSpPr>
+      <p:sp>
+        <p:nvSpPr>
+          <p:cNvPr id="2" name="슬라이드 이미지 개체 틀 1"/>
+          <p:cNvSpPr>
+            <a:spLocks noGrp="1" noRot="1" noChangeAspect="1"/>
+          </p:cNvSpPr>
+          <p:nvPr>
+            <p:ph type="sldImg"/>
+          </p:nvPr>
+        </p:nvSpPr>
+        <p:spPr/>
+      </p:sp>
+      <p:sp>
+        <p:nvSpPr>
+          <p:cNvPr id="3" name="슬라이드 노트 개체 틀 2"/>
+          <p:cNvSpPr>
+            <a:spLocks noGrp="1"/>
+          </p:cNvSpPr>
+          <p:nvPr>
+            <p:ph type="body" idx="1"/>
+          </p:nvPr>
+        </p:nvSpPr>
+        <p:spPr/>
+        <p:txBody>
+          <a:bodyPr/>
+          <a:lstStyle/>
+          <a:p>
+            <a:r>
+              <a:rPr lang="ko-KR" altLang="en-US" dirty="0"/>
+              <a:t>이미지로 조금 더 자세히 설명하겠습니다</a:t>
+            </a:r>
+            <a:r>
+              <a:rPr lang="en-US" altLang="ko-KR" dirty="0"/>
+              <a:t>.</a:t>
+            </a:r>
+          </a:p>
+          <a:p>
+            <a:r>
+              <a:rPr lang="en-US" altLang="ko-KR" dirty="0"/>
+              <a:t>'</a:t>
+            </a:r>
+            <a:r>
+              <a:rPr lang="ko-KR" altLang="en-US" dirty="0"/>
+              <a:t>공고</a:t>
+            </a:r>
+            <a:r>
+              <a:rPr lang="en-US" altLang="ko-KR" dirty="0"/>
+              <a:t>' </a:t>
+            </a:r>
+            <a:r>
+              <a:rPr lang="ko-KR" altLang="en-US" dirty="0"/>
+              <a:t>파트에서는 이렇게 지역을 사용자가 입력하면 그 지역에 해당하는 공고가 나타납니다</a:t>
+            </a:r>
+            <a:r>
+              <a:rPr lang="en-US" altLang="ko-KR" dirty="0"/>
+              <a:t>.</a:t>
+            </a:r>
+            <a:endParaRPr lang="ko-KR" altLang="en-US" dirty="0"/>
+          </a:p>
+        </p:txBody>
+      </p:sp>
+      <p:sp>
+        <p:nvSpPr>
+          <p:cNvPr id="4" name="슬라이드 번호 개체 틀 3"/>
+          <p:cNvSpPr>
+            <a:spLocks noGrp="1"/>
+          </p:cNvSpPr>
+          <p:nvPr>
+            <p:ph type="sldNum" sz="quarter" idx="5"/>
+          </p:nvPr>
+        </p:nvSpPr>
+        <p:spPr/>
+        <p:txBody>
+          <a:bodyPr/>
+          <a:lstStyle/>
+          <a:p>
+            <a:fld id="{21259E9D-A224-4BC1-A3DA-46B9CBA70860}" type="slidenum">
+              <a:rPr lang="ko-KR" altLang="en-US" smtClean="0"/>
+              <a:t>11</a:t>
+            </a:fld>
+            <a:endParaRPr lang="ko-KR" altLang="en-US"/>
+          </a:p>
+        </p:txBody>
+      </p:sp>
+    </p:spTree>
+    <p:extLst>
+      <p:ext uri="{BB962C8B-B14F-4D97-AF65-F5344CB8AC3E}">
+        <p14:creationId xmlns:p14="http://schemas.microsoft.com/office/powerpoint/2010/main" val="1361178038"/>
+      </p:ext>
+    </p:extLst>
+  </p:cSld>
+  <p:clrMapOvr>
+    <a:masterClrMapping/>
+  </p:clrMapOvr>
+</p:notes>
+</file>
+
+<file path=ppt/notesSlides/notesSlide12.xml><?xml version="1.0" encoding="utf-8"?>
+<p:notes xmlns:a="http://schemas.openxmlformats.org/drawingml/2006/main" xmlns:r="http://schemas.openxmlformats.org/officeDocument/2006/relationships" xmlns:p="http://schemas.openxmlformats.org/presentationml/2006/main">
+  <p:cSld>
+    <p:spTree>
+      <p:nvGrpSpPr>
+        <p:cNvPr id="1" name=""/>
+        <p:cNvGrpSpPr/>
+        <p:nvPr/>
+      </p:nvGrpSpPr>
+      <p:grpSpPr>
+        <a:xfrm>
+          <a:off x="0" y="0"/>
+          <a:ext cx="0" cy="0"/>
+          <a:chOff x="0" y="0"/>
+          <a:chExt cx="0" cy="0"/>
+        </a:xfrm>
+      </p:grpSpPr>
+      <p:sp>
+        <p:nvSpPr>
+          <p:cNvPr id="2" name="슬라이드 이미지 개체 틀 1"/>
+          <p:cNvSpPr>
+            <a:spLocks noGrp="1" noRot="1" noChangeAspect="1"/>
+          </p:cNvSpPr>
+          <p:nvPr>
+            <p:ph type="sldImg"/>
+          </p:nvPr>
+        </p:nvSpPr>
+        <p:spPr/>
+      </p:sp>
+      <p:sp>
+        <p:nvSpPr>
+          <p:cNvPr id="3" name="슬라이드 노트 개체 틀 2"/>
+          <p:cNvSpPr>
+            <a:spLocks noGrp="1"/>
+          </p:cNvSpPr>
+          <p:nvPr>
+            <p:ph type="body" idx="1"/>
+          </p:nvPr>
+        </p:nvSpPr>
+        <p:spPr/>
+        <p:txBody>
+          <a:bodyPr/>
+          <a:lstStyle/>
+          <a:p>
+            <a:r>
+              <a:rPr lang="en-US" altLang="ko-KR" dirty="0"/>
+              <a:t>'</a:t>
+            </a:r>
+            <a:r>
+              <a:rPr lang="ko-KR" altLang="en-US" dirty="0"/>
+              <a:t>분양조건</a:t>
+            </a:r>
+            <a:r>
+              <a:rPr lang="en-US" altLang="ko-KR" dirty="0"/>
+              <a:t>' </a:t>
+            </a:r>
+            <a:r>
+              <a:rPr lang="ko-KR" altLang="en-US" dirty="0"/>
+              <a:t>파트에서는 왼쪽과 같은 조건들을 오른쪽과 같이 이미지 형태로 축약하여 나타내고</a:t>
+            </a:r>
+          </a:p>
+          <a:p>
+            <a:r>
+              <a:rPr lang="ko-KR" altLang="en-US" dirty="0"/>
+              <a:t>더 자세하게 알고 싶다면 </a:t>
+            </a:r>
+            <a:r>
+              <a:rPr lang="en-US" altLang="ko-KR" dirty="0"/>
+              <a:t>URL</a:t>
+            </a:r>
+            <a:r>
+              <a:rPr lang="ko-KR" altLang="en-US" dirty="0"/>
+              <a:t>을 통해 정보를 제공합니다</a:t>
+            </a:r>
+            <a:r>
+              <a:rPr lang="en-US" altLang="ko-KR" dirty="0"/>
+              <a:t>.</a:t>
+            </a:r>
+            <a:endParaRPr lang="ko-KR" altLang="en-US" dirty="0"/>
+          </a:p>
+        </p:txBody>
+      </p:sp>
+      <p:sp>
+        <p:nvSpPr>
+          <p:cNvPr id="4" name="슬라이드 번호 개체 틀 3"/>
+          <p:cNvSpPr>
+            <a:spLocks noGrp="1"/>
+          </p:cNvSpPr>
+          <p:nvPr>
+            <p:ph type="sldNum" sz="quarter" idx="5"/>
+          </p:nvPr>
+        </p:nvSpPr>
+        <p:spPr/>
+        <p:txBody>
+          <a:bodyPr/>
+          <a:lstStyle/>
+          <a:p>
+            <a:fld id="{21259E9D-A224-4BC1-A3DA-46B9CBA70860}" type="slidenum">
+              <a:rPr lang="ko-KR" altLang="en-US" smtClean="0"/>
+              <a:t>12</a:t>
+            </a:fld>
+            <a:endParaRPr lang="ko-KR" altLang="en-US"/>
+          </a:p>
+        </p:txBody>
+      </p:sp>
+    </p:spTree>
+    <p:extLst>
+      <p:ext uri="{BB962C8B-B14F-4D97-AF65-F5344CB8AC3E}">
+        <p14:creationId xmlns:p14="http://schemas.microsoft.com/office/powerpoint/2010/main" val="628267406"/>
+      </p:ext>
+    </p:extLst>
+  </p:cSld>
+  <p:clrMapOvr>
+    <a:masterClrMapping/>
+  </p:clrMapOvr>
+</p:notes>
+</file>
+
+<file path=ppt/notesSlides/notesSlide13.xml><?xml version="1.0" encoding="utf-8"?>
+<p:notes xmlns:a="http://schemas.openxmlformats.org/drawingml/2006/main" xmlns:r="http://schemas.openxmlformats.org/officeDocument/2006/relationships" xmlns:p="http://schemas.openxmlformats.org/presentationml/2006/main">
+  <p:cSld>
+    <p:spTree>
+      <p:nvGrpSpPr>
+        <p:cNvPr id="1" name=""/>
+        <p:cNvGrpSpPr/>
+        <p:nvPr/>
+      </p:nvGrpSpPr>
+      <p:grpSpPr>
+        <a:xfrm>
+          <a:off x="0" y="0"/>
+          <a:ext cx="0" cy="0"/>
+          <a:chOff x="0" y="0"/>
+          <a:chExt cx="0" cy="0"/>
+        </a:xfrm>
+      </p:grpSpPr>
+      <p:sp>
+        <p:nvSpPr>
+          <p:cNvPr id="2" name="슬라이드 이미지 개체 틀 1"/>
+          <p:cNvSpPr>
+            <a:spLocks noGrp="1" noRot="1" noChangeAspect="1"/>
+          </p:cNvSpPr>
+          <p:nvPr>
+            <p:ph type="sldImg"/>
+          </p:nvPr>
+        </p:nvSpPr>
+        <p:spPr/>
+      </p:sp>
+      <p:sp>
+        <p:nvSpPr>
+          <p:cNvPr id="3" name="슬라이드 노트 개체 틀 2"/>
+          <p:cNvSpPr>
+            <a:spLocks noGrp="1"/>
+          </p:cNvSpPr>
+          <p:nvPr>
+            <p:ph type="body" idx="1"/>
+          </p:nvPr>
+        </p:nvSpPr>
+        <p:spPr/>
+        <p:txBody>
+          <a:bodyPr/>
+          <a:lstStyle/>
+          <a:p>
+            <a:r>
+              <a:rPr lang="ko-KR" altLang="en-US" dirty="0"/>
+              <a:t>마지막으로 가점 계산 기능입니다</a:t>
+            </a:r>
+            <a:r>
+              <a:rPr lang="en-US" altLang="ko-KR" dirty="0"/>
+              <a:t>.</a:t>
+            </a:r>
+          </a:p>
+          <a:p>
+            <a:r>
+              <a:rPr lang="ko-KR" altLang="en-US" dirty="0"/>
+              <a:t>가점기준표를 제공하고 사용자에게서 조건에 대한 번호를 입력 받으면 이 번호에 해당하는 점수로 변환하여서</a:t>
+            </a:r>
+          </a:p>
+          <a:p>
+            <a:r>
+              <a:rPr lang="ko-KR" altLang="en-US" dirty="0"/>
+              <a:t>점수들의 합계를 출력하여 안내합니다</a:t>
+            </a:r>
+            <a:r>
+              <a:rPr lang="en-US" altLang="ko-KR" dirty="0"/>
+              <a:t>.</a:t>
+            </a:r>
+            <a:endParaRPr lang="ko-KR" altLang="en-US" dirty="0"/>
+          </a:p>
+        </p:txBody>
+      </p:sp>
+      <p:sp>
+        <p:nvSpPr>
+          <p:cNvPr id="4" name="슬라이드 번호 개체 틀 3"/>
+          <p:cNvSpPr>
+            <a:spLocks noGrp="1"/>
+          </p:cNvSpPr>
+          <p:nvPr>
+            <p:ph type="sldNum" sz="quarter" idx="5"/>
+          </p:nvPr>
+        </p:nvSpPr>
+        <p:spPr/>
+        <p:txBody>
+          <a:bodyPr/>
+          <a:lstStyle/>
+          <a:p>
+            <a:fld id="{21259E9D-A224-4BC1-A3DA-46B9CBA70860}" type="slidenum">
+              <a:rPr lang="ko-KR" altLang="en-US" smtClean="0"/>
+              <a:t>13</a:t>
+            </a:fld>
+            <a:endParaRPr lang="ko-KR" altLang="en-US"/>
+          </a:p>
+        </p:txBody>
+      </p:sp>
+    </p:spTree>
+    <p:extLst>
+      <p:ext uri="{BB962C8B-B14F-4D97-AF65-F5344CB8AC3E}">
+        <p14:creationId xmlns:p14="http://schemas.microsoft.com/office/powerpoint/2010/main" val="4265423840"/>
+      </p:ext>
+    </p:extLst>
+  </p:cSld>
+  <p:clrMapOvr>
+    <a:masterClrMapping/>
+  </p:clrMapOvr>
+</p:notes>
+</file>
+
+<file path=ppt/notesSlides/notesSlide14.xml><?xml version="1.0" encoding="utf-8"?>
+<p:notes xmlns:a="http://schemas.openxmlformats.org/drawingml/2006/main" xmlns:r="http://schemas.openxmlformats.org/officeDocument/2006/relationships" xmlns:p="http://schemas.openxmlformats.org/presentationml/2006/main">
+  <p:cSld>
+    <p:spTree>
+      <p:nvGrpSpPr>
+        <p:cNvPr id="1" name=""/>
+        <p:cNvGrpSpPr/>
+        <p:nvPr/>
+      </p:nvGrpSpPr>
+      <p:grpSpPr>
+        <a:xfrm>
+          <a:off x="0" y="0"/>
+          <a:ext cx="0" cy="0"/>
+          <a:chOff x="0" y="0"/>
+          <a:chExt cx="0" cy="0"/>
+        </a:xfrm>
+      </p:grpSpPr>
+      <p:sp>
+        <p:nvSpPr>
+          <p:cNvPr id="2" name="슬라이드 이미지 개체 틀 1"/>
+          <p:cNvSpPr>
+            <a:spLocks noGrp="1" noRot="1" noChangeAspect="1"/>
+          </p:cNvSpPr>
+          <p:nvPr>
+            <p:ph type="sldImg"/>
+          </p:nvPr>
+        </p:nvSpPr>
+        <p:spPr/>
+      </p:sp>
+      <p:sp>
+        <p:nvSpPr>
+          <p:cNvPr id="3" name="슬라이드 노트 개체 틀 2"/>
+          <p:cNvSpPr>
+            <a:spLocks noGrp="1"/>
+          </p:cNvSpPr>
+          <p:nvPr>
+            <p:ph type="body" idx="1"/>
+          </p:nvPr>
+        </p:nvSpPr>
+        <p:spPr/>
+        <p:txBody>
+          <a:bodyPr/>
+          <a:lstStyle/>
+          <a:p>
+            <a:r>
+              <a:rPr lang="ko-KR" altLang="en-US" dirty="0" err="1"/>
+              <a:t>가점표입니다</a:t>
+            </a:r>
+            <a:r>
+              <a:rPr lang="en-US" altLang="ko-KR" dirty="0"/>
+              <a:t>.</a:t>
+            </a:r>
+          </a:p>
+          <a:p>
+            <a:r>
+              <a:rPr lang="ko-KR" altLang="en-US" dirty="0"/>
+              <a:t>계산식은 다음과 같습니다</a:t>
+            </a:r>
+            <a:r>
+              <a:rPr lang="en-US" altLang="ko-KR" dirty="0"/>
+              <a:t>. </a:t>
+            </a:r>
+            <a:r>
+              <a:rPr lang="ko-KR" altLang="en-US" dirty="0"/>
+              <a:t>표 에는 점수가 나와있지만 점수를 바로 받는 게 아닌</a:t>
+            </a:r>
+            <a:r>
+              <a:rPr lang="en-US" altLang="ko-KR" dirty="0"/>
+              <a:t>, </a:t>
+            </a:r>
+            <a:r>
+              <a:rPr lang="ko-KR" altLang="en-US" dirty="0"/>
+              <a:t>번호로 수정하여</a:t>
+            </a:r>
+          </a:p>
+          <a:p>
+            <a:r>
+              <a:rPr lang="ko-KR" altLang="en-US" dirty="0"/>
+              <a:t>그 번호에 해당하는 점수 값을 출력하게 구현할 예정입니다</a:t>
+            </a:r>
+            <a:r>
+              <a:rPr lang="en-US" altLang="ko-KR" dirty="0"/>
+              <a:t>.</a:t>
+            </a:r>
+          </a:p>
+          <a:p>
+            <a:r>
+              <a:rPr lang="ko-KR" altLang="en-US" dirty="0"/>
+              <a:t>예를 들면 부양 가족수가 </a:t>
+            </a:r>
+            <a:r>
+              <a:rPr lang="en-US" altLang="ko-KR" dirty="0"/>
+              <a:t>1</a:t>
+            </a:r>
+            <a:r>
+              <a:rPr lang="ko-KR" altLang="en-US" dirty="0"/>
+              <a:t>명은 </a:t>
+            </a:r>
+            <a:r>
+              <a:rPr lang="en-US" altLang="ko-KR" dirty="0"/>
+              <a:t>1</a:t>
+            </a:r>
+            <a:r>
+              <a:rPr lang="ko-KR" altLang="en-US" dirty="0"/>
+              <a:t>번</a:t>
+            </a:r>
+            <a:r>
+              <a:rPr lang="en-US" altLang="ko-KR" dirty="0"/>
+              <a:t>, 2</a:t>
+            </a:r>
+            <a:r>
+              <a:rPr lang="ko-KR" altLang="en-US" dirty="0"/>
+              <a:t>명은 </a:t>
+            </a:r>
+            <a:r>
+              <a:rPr lang="en-US" altLang="ko-KR" dirty="0"/>
+              <a:t>2</a:t>
+            </a:r>
+            <a:r>
+              <a:rPr lang="ko-KR" altLang="en-US" dirty="0"/>
+              <a:t>번 </a:t>
+            </a:r>
+            <a:endParaRPr lang="en-US" altLang="ko-KR" dirty="0"/>
+          </a:p>
+          <a:p>
+            <a:r>
+              <a:rPr lang="ko-KR" altLang="en-US" dirty="0"/>
+              <a:t>이런 식으로 번호를 부여 할 </a:t>
+            </a:r>
+            <a:r>
+              <a:rPr lang="ko-KR" altLang="en-US" dirty="0" err="1"/>
+              <a:t>계획중입니다</a:t>
+            </a:r>
+            <a:r>
+              <a:rPr lang="en-US" altLang="ko-KR" dirty="0"/>
+              <a:t>.</a:t>
+            </a:r>
+            <a:endParaRPr lang="ko-KR" altLang="en-US" dirty="0"/>
+          </a:p>
+        </p:txBody>
+      </p:sp>
+      <p:sp>
+        <p:nvSpPr>
+          <p:cNvPr id="4" name="슬라이드 번호 개체 틀 3"/>
+          <p:cNvSpPr>
+            <a:spLocks noGrp="1"/>
+          </p:cNvSpPr>
+          <p:nvPr>
+            <p:ph type="sldNum" sz="quarter" idx="5"/>
+          </p:nvPr>
+        </p:nvSpPr>
+        <p:spPr/>
+        <p:txBody>
+          <a:bodyPr/>
+          <a:lstStyle/>
+          <a:p>
+            <a:fld id="{21259E9D-A224-4BC1-A3DA-46B9CBA70860}" type="slidenum">
+              <a:rPr lang="ko-KR" altLang="en-US" smtClean="0"/>
+              <a:t>14</a:t>
+            </a:fld>
+            <a:endParaRPr lang="ko-KR" altLang="en-US"/>
+          </a:p>
+        </p:txBody>
+      </p:sp>
+    </p:spTree>
+    <p:extLst>
+      <p:ext uri="{BB962C8B-B14F-4D97-AF65-F5344CB8AC3E}">
+        <p14:creationId xmlns:p14="http://schemas.microsoft.com/office/powerpoint/2010/main" val="3758472127"/>
+      </p:ext>
+    </p:extLst>
+  </p:cSld>
+  <p:clrMapOvr>
+    <a:masterClrMapping/>
+  </p:clrMapOvr>
+</p:notes>
+</file>
+
+<file path=ppt/notesSlides/notesSlide15.xml><?xml version="1.0" encoding="utf-8"?>
+<p:notes xmlns:a="http://schemas.openxmlformats.org/drawingml/2006/main" xmlns:r="http://schemas.openxmlformats.org/officeDocument/2006/relationships" xmlns:p="http://schemas.openxmlformats.org/presentationml/2006/main">
+  <p:cSld>
+    <p:spTree>
+      <p:nvGrpSpPr>
+        <p:cNvPr id="1" name=""/>
+        <p:cNvGrpSpPr/>
+        <p:nvPr/>
+      </p:nvGrpSpPr>
+      <p:grpSpPr>
+        <a:xfrm>
+          <a:off x="0" y="0"/>
+          <a:ext cx="0" cy="0"/>
+          <a:chOff x="0" y="0"/>
+          <a:chExt cx="0" cy="0"/>
+        </a:xfrm>
+      </p:grpSpPr>
+      <p:sp>
+        <p:nvSpPr>
+          <p:cNvPr id="2" name="슬라이드 이미지 개체 틀 1"/>
+          <p:cNvSpPr>
+            <a:spLocks noGrp="1" noRot="1" noChangeAspect="1"/>
+          </p:cNvSpPr>
+          <p:nvPr>
+            <p:ph type="sldImg"/>
+          </p:nvPr>
+        </p:nvSpPr>
+        <p:spPr/>
+      </p:sp>
+      <p:sp>
+        <p:nvSpPr>
+          <p:cNvPr id="3" name="슬라이드 노트 개체 틀 2"/>
+          <p:cNvSpPr>
+            <a:spLocks noGrp="1"/>
+          </p:cNvSpPr>
+          <p:nvPr>
+            <p:ph type="body" idx="1"/>
+          </p:nvPr>
+        </p:nvSpPr>
+        <p:spPr/>
+        <p:txBody>
+          <a:bodyPr/>
+          <a:lstStyle/>
+          <a:p>
+            <a:r>
+              <a:rPr lang="ko-KR" altLang="en-US" dirty="0"/>
+              <a:t>저희 </a:t>
+            </a:r>
+            <a:r>
+              <a:rPr lang="ko-KR" altLang="en-US" dirty="0" err="1"/>
+              <a:t>챗봇의</a:t>
+            </a:r>
+            <a:r>
+              <a:rPr lang="ko-KR" altLang="en-US" dirty="0"/>
+              <a:t> 기대효과 입니다</a:t>
+            </a:r>
+            <a:r>
+              <a:rPr lang="en-US" altLang="ko-KR" dirty="0"/>
+              <a:t>.</a:t>
+            </a:r>
+          </a:p>
+          <a:p>
+            <a:r>
+              <a:rPr lang="ko-KR" altLang="en-US" dirty="0"/>
+              <a:t>공고 항목에서는 선택한 지역의 공고를 확인하고</a:t>
+            </a:r>
+            <a:r>
+              <a:rPr lang="en-US" altLang="ko-KR" dirty="0"/>
+              <a:t>,</a:t>
+            </a:r>
+          </a:p>
+          <a:p>
+            <a:r>
+              <a:rPr lang="ko-KR" altLang="en-US" dirty="0"/>
+              <a:t>조건 항목에서는 각 조건에 대한 간략한 이미지 및 </a:t>
+            </a:r>
+            <a:r>
+              <a:rPr lang="en-US" altLang="ko-KR" dirty="0"/>
+              <a:t>URL</a:t>
+            </a:r>
+            <a:r>
+              <a:rPr lang="ko-KR" altLang="en-US" dirty="0"/>
+              <a:t>로 </a:t>
+            </a:r>
+          </a:p>
+          <a:p>
+            <a:r>
+              <a:rPr lang="ko-KR" altLang="en-US" dirty="0"/>
+              <a:t>간편하게 원하는 정보를 습득하는 효과를 기대할 수 있습니다</a:t>
+            </a:r>
+            <a:r>
+              <a:rPr lang="en-US" altLang="ko-KR" dirty="0"/>
+              <a:t>.</a:t>
+            </a:r>
+            <a:endParaRPr lang="ko-KR" altLang="en-US" dirty="0"/>
+          </a:p>
+        </p:txBody>
+      </p:sp>
+      <p:sp>
+        <p:nvSpPr>
+          <p:cNvPr id="4" name="슬라이드 번호 개체 틀 3"/>
+          <p:cNvSpPr>
+            <a:spLocks noGrp="1"/>
+          </p:cNvSpPr>
+          <p:nvPr>
+            <p:ph type="sldNum" sz="quarter" idx="5"/>
+          </p:nvPr>
+        </p:nvSpPr>
+        <p:spPr/>
+        <p:txBody>
+          <a:bodyPr/>
+          <a:lstStyle/>
+          <a:p>
+            <a:fld id="{21259E9D-A224-4BC1-A3DA-46B9CBA70860}" type="slidenum">
+              <a:rPr lang="ko-KR" altLang="en-US" smtClean="0"/>
+              <a:t>15</a:t>
+            </a:fld>
+            <a:endParaRPr lang="ko-KR" altLang="en-US"/>
+          </a:p>
+        </p:txBody>
+      </p:sp>
+    </p:spTree>
+    <p:extLst>
+      <p:ext uri="{BB962C8B-B14F-4D97-AF65-F5344CB8AC3E}">
+        <p14:creationId xmlns:p14="http://schemas.microsoft.com/office/powerpoint/2010/main" val="1140741861"/>
+      </p:ext>
+    </p:extLst>
+  </p:cSld>
+  <p:clrMapOvr>
+    <a:masterClrMapping/>
+  </p:clrMapOvr>
+</p:notes>
+</file>
+
+<file path=ppt/notesSlides/notesSlide16.xml><?xml version="1.0" encoding="utf-8"?>
+<p:notes xmlns:a="http://schemas.openxmlformats.org/drawingml/2006/main" xmlns:r="http://schemas.openxmlformats.org/officeDocument/2006/relationships" xmlns:p="http://schemas.openxmlformats.org/presentationml/2006/main">
+  <p:cSld>
+    <p:spTree>
+      <p:nvGrpSpPr>
+        <p:cNvPr id="1" name=""/>
+        <p:cNvGrpSpPr/>
+        <p:nvPr/>
+      </p:nvGrpSpPr>
+      <p:grpSpPr>
+        <a:xfrm>
+          <a:off x="0" y="0"/>
+          <a:ext cx="0" cy="0"/>
+          <a:chOff x="0" y="0"/>
+          <a:chExt cx="0" cy="0"/>
+        </a:xfrm>
+      </p:grpSpPr>
+      <p:sp>
+        <p:nvSpPr>
+          <p:cNvPr id="2" name="슬라이드 이미지 개체 틀 1"/>
+          <p:cNvSpPr>
+            <a:spLocks noGrp="1" noRot="1" noChangeAspect="1"/>
+          </p:cNvSpPr>
+          <p:nvPr>
+            <p:ph type="sldImg"/>
+          </p:nvPr>
+        </p:nvSpPr>
+        <p:spPr/>
+      </p:sp>
+      <p:sp>
+        <p:nvSpPr>
+          <p:cNvPr id="3" name="슬라이드 노트 개체 틀 2"/>
+          <p:cNvSpPr>
+            <a:spLocks noGrp="1"/>
+          </p:cNvSpPr>
+          <p:nvPr>
+            <p:ph type="body" idx="1"/>
+          </p:nvPr>
+        </p:nvSpPr>
+        <p:spPr/>
+        <p:txBody>
+          <a:bodyPr/>
+          <a:lstStyle/>
+          <a:p>
+            <a:r>
+              <a:rPr lang="en-US" altLang="ko-KR" dirty="0"/>
+              <a:t>(1/2)</a:t>
+            </a:r>
+          </a:p>
+          <a:p>
+            <a:r>
+              <a:rPr lang="ko-KR" altLang="en-US" dirty="0"/>
+              <a:t>저희가 사용할 </a:t>
+            </a:r>
+            <a:r>
+              <a:rPr lang="en-US" altLang="ko-KR" dirty="0"/>
+              <a:t>DB </a:t>
+            </a:r>
+            <a:r>
+              <a:rPr lang="ko-KR" altLang="en-US" dirty="0"/>
+              <a:t>테이블 정의서 입니다</a:t>
+            </a:r>
+            <a:r>
+              <a:rPr lang="en-US" altLang="ko-KR" dirty="0"/>
+              <a:t>.</a:t>
+            </a:r>
+          </a:p>
+          <a:p>
+            <a:r>
+              <a:rPr lang="ko-KR" altLang="en-US" dirty="0"/>
+              <a:t>공고 파트에서 쓸 테이블</a:t>
+            </a:r>
+            <a:r>
+              <a:rPr lang="en-US" altLang="ko-KR" dirty="0"/>
+              <a:t>, </a:t>
+            </a:r>
+            <a:r>
+              <a:rPr lang="ko-KR" altLang="en-US" dirty="0"/>
+              <a:t>그리고 가점계산기 기능에서 쓸 테이블</a:t>
+            </a:r>
+            <a:r>
+              <a:rPr lang="en-US" altLang="ko-KR" dirty="0"/>
+              <a:t> </a:t>
+            </a:r>
+            <a:r>
+              <a:rPr lang="ko-KR" altLang="en-US" dirty="0"/>
+              <a:t>입니다</a:t>
+            </a:r>
+            <a:r>
+              <a:rPr lang="en-US" altLang="ko-KR" dirty="0"/>
+              <a:t>. </a:t>
+            </a:r>
+            <a:endParaRPr lang="ko-KR" altLang="en-US" dirty="0"/>
+          </a:p>
+        </p:txBody>
+      </p:sp>
+      <p:sp>
+        <p:nvSpPr>
+          <p:cNvPr id="4" name="슬라이드 번호 개체 틀 3"/>
+          <p:cNvSpPr>
+            <a:spLocks noGrp="1"/>
+          </p:cNvSpPr>
+          <p:nvPr>
+            <p:ph type="sldNum" sz="quarter" idx="5"/>
+          </p:nvPr>
+        </p:nvSpPr>
+        <p:spPr/>
+        <p:txBody>
+          <a:bodyPr/>
+          <a:lstStyle/>
+          <a:p>
+            <a:fld id="{21259E9D-A224-4BC1-A3DA-46B9CBA70860}" type="slidenum">
+              <a:rPr lang="ko-KR" altLang="en-US" smtClean="0"/>
+              <a:t>16</a:t>
+            </a:fld>
+            <a:endParaRPr lang="ko-KR" altLang="en-US"/>
+          </a:p>
+        </p:txBody>
+      </p:sp>
+    </p:spTree>
+    <p:extLst>
+      <p:ext uri="{BB962C8B-B14F-4D97-AF65-F5344CB8AC3E}">
+        <p14:creationId xmlns:p14="http://schemas.microsoft.com/office/powerpoint/2010/main" val="36996467"/>
+      </p:ext>
+    </p:extLst>
+  </p:cSld>
+  <p:clrMapOvr>
+    <a:masterClrMapping/>
+  </p:clrMapOvr>
+</p:notes>
+</file>
+
+<file path=ppt/notesSlides/notesSlide17.xml><?xml version="1.0" encoding="utf-8"?>
+<p:notes xmlns:a="http://schemas.openxmlformats.org/drawingml/2006/main" xmlns:r="http://schemas.openxmlformats.org/officeDocument/2006/relationships" xmlns:p="http://schemas.openxmlformats.org/presentationml/2006/main">
+  <p:cSld>
+    <p:spTree>
+      <p:nvGrpSpPr>
+        <p:cNvPr id="1" name=""/>
+        <p:cNvGrpSpPr/>
+        <p:nvPr/>
+      </p:nvGrpSpPr>
+      <p:grpSpPr>
+        <a:xfrm>
+          <a:off x="0" y="0"/>
+          <a:ext cx="0" cy="0"/>
+          <a:chOff x="0" y="0"/>
+          <a:chExt cx="0" cy="0"/>
+        </a:xfrm>
+      </p:grpSpPr>
+      <p:sp>
+        <p:nvSpPr>
+          <p:cNvPr id="2" name="슬라이드 이미지 개체 틀 1"/>
+          <p:cNvSpPr>
+            <a:spLocks noGrp="1" noRot="1" noChangeAspect="1"/>
+          </p:cNvSpPr>
+          <p:nvPr>
+            <p:ph type="sldImg"/>
+          </p:nvPr>
+        </p:nvSpPr>
+        <p:spPr/>
+      </p:sp>
+      <p:sp>
+        <p:nvSpPr>
+          <p:cNvPr id="3" name="슬라이드 노트 개체 틀 2"/>
+          <p:cNvSpPr>
+            <a:spLocks noGrp="1"/>
+          </p:cNvSpPr>
+          <p:nvPr>
+            <p:ph type="body" idx="1"/>
+          </p:nvPr>
+        </p:nvSpPr>
+        <p:spPr/>
+        <p:txBody>
+          <a:bodyPr/>
+          <a:lstStyle/>
+          <a:p>
+            <a:r>
+              <a:rPr lang="en-US" altLang="ko-KR" dirty="0"/>
+              <a:t>(2/2)</a:t>
+            </a:r>
+          </a:p>
+          <a:p>
+            <a:r>
+              <a:rPr lang="ko-KR" altLang="en-US" dirty="0"/>
+              <a:t>저희가 사용할 </a:t>
+            </a:r>
+            <a:r>
+              <a:rPr lang="en-US" altLang="ko-KR" dirty="0"/>
+              <a:t>DB </a:t>
+            </a:r>
+            <a:r>
+              <a:rPr lang="ko-KR" altLang="en-US" dirty="0"/>
+              <a:t>테이블 정의서 입니다</a:t>
+            </a:r>
+            <a:r>
+              <a:rPr lang="en-US" altLang="ko-KR" dirty="0"/>
+              <a:t>.</a:t>
+            </a:r>
+          </a:p>
+          <a:p>
+            <a:r>
+              <a:rPr lang="ko-KR" altLang="en-US" dirty="0"/>
+              <a:t>공고 파트에서 쓸 테이블</a:t>
+            </a:r>
+            <a:r>
+              <a:rPr lang="en-US" altLang="ko-KR" dirty="0"/>
+              <a:t>, </a:t>
+            </a:r>
+            <a:r>
+              <a:rPr lang="ko-KR" altLang="en-US" dirty="0"/>
+              <a:t>그리고 가점계산기 기능에서 쓸 테이블</a:t>
+            </a:r>
+            <a:r>
+              <a:rPr lang="en-US" altLang="ko-KR" dirty="0"/>
+              <a:t> </a:t>
+            </a:r>
+            <a:r>
+              <a:rPr lang="ko-KR" altLang="en-US" dirty="0"/>
+              <a:t>입니다</a:t>
+            </a:r>
+            <a:r>
+              <a:rPr lang="en-US" altLang="ko-KR" dirty="0"/>
+              <a:t>. </a:t>
+            </a:r>
+            <a:endParaRPr lang="ko-KR" altLang="en-US" dirty="0"/>
+          </a:p>
+        </p:txBody>
+      </p:sp>
+      <p:sp>
+        <p:nvSpPr>
+          <p:cNvPr id="4" name="슬라이드 번호 개체 틀 3"/>
+          <p:cNvSpPr>
+            <a:spLocks noGrp="1"/>
+          </p:cNvSpPr>
+          <p:nvPr>
+            <p:ph type="sldNum" sz="quarter" idx="5"/>
+          </p:nvPr>
+        </p:nvSpPr>
+        <p:spPr/>
+        <p:txBody>
+          <a:bodyPr/>
+          <a:lstStyle/>
+          <a:p>
+            <a:fld id="{21259E9D-A224-4BC1-A3DA-46B9CBA70860}" type="slidenum">
+              <a:rPr lang="ko-KR" altLang="en-US" smtClean="0"/>
+              <a:t>17</a:t>
+            </a:fld>
+            <a:endParaRPr lang="ko-KR" altLang="en-US"/>
+          </a:p>
+        </p:txBody>
+      </p:sp>
+    </p:spTree>
+    <p:extLst>
+      <p:ext uri="{BB962C8B-B14F-4D97-AF65-F5344CB8AC3E}">
+        <p14:creationId xmlns:p14="http://schemas.microsoft.com/office/powerpoint/2010/main" val="3558104134"/>
+      </p:ext>
+    </p:extLst>
+  </p:cSld>
+  <p:clrMapOvr>
+    <a:masterClrMapping/>
+  </p:clrMapOvr>
+</p:notes>
+</file>
+
+<file path=ppt/notesSlides/notesSlide18.xml><?xml version="1.0" encoding="utf-8"?>
+<p:notes xmlns:a="http://schemas.openxmlformats.org/drawingml/2006/main" xmlns:r="http://schemas.openxmlformats.org/officeDocument/2006/relationships" xmlns:p="http://schemas.openxmlformats.org/presentationml/2006/main">
+  <p:cSld>
+    <p:spTree>
+      <p:nvGrpSpPr>
+        <p:cNvPr id="1" name=""/>
+        <p:cNvGrpSpPr/>
+        <p:nvPr/>
+      </p:nvGrpSpPr>
+      <p:grpSpPr>
+        <a:xfrm>
+          <a:off x="0" y="0"/>
+          <a:ext cx="0" cy="0"/>
+          <a:chOff x="0" y="0"/>
+          <a:chExt cx="0" cy="0"/>
+        </a:xfrm>
+      </p:grpSpPr>
+      <p:sp>
+        <p:nvSpPr>
+          <p:cNvPr id="2" name="슬라이드 이미지 개체 틀 1"/>
+          <p:cNvSpPr>
+            <a:spLocks noGrp="1" noRot="1" noChangeAspect="1"/>
+          </p:cNvSpPr>
+          <p:nvPr>
+            <p:ph type="sldImg"/>
+          </p:nvPr>
+        </p:nvSpPr>
+        <p:spPr/>
+      </p:sp>
+      <p:sp>
+        <p:nvSpPr>
+          <p:cNvPr id="3" name="슬라이드 노트 개체 틀 2"/>
+          <p:cNvSpPr>
+            <a:spLocks noGrp="1"/>
+          </p:cNvSpPr>
+          <p:nvPr>
+            <p:ph type="body" idx="1"/>
+          </p:nvPr>
+        </p:nvSpPr>
+        <p:spPr/>
+        <p:txBody>
+          <a:bodyPr/>
+          <a:lstStyle/>
+          <a:p>
+            <a:pPr marL="0" marR="0" lvl="0" indent="0" algn="l" defTabSz="914400" rtl="0" eaLnBrk="1" fontAlgn="auto" latinLnBrk="1" hangingPunct="1">
+              <a:lnSpc>
+                <a:spcPct val="100000"/>
+              </a:lnSpc>
+              <a:spcBef>
+                <a:spcPts val="0"/>
+              </a:spcBef>
+              <a:spcAft>
+                <a:spcPts val="0"/>
+              </a:spcAft>
+              <a:buClrTx/>
+              <a:buSzTx/>
+              <a:buFontTx/>
+              <a:buNone/>
+              <a:tabLst/>
+              <a:defRPr/>
+            </a:pPr>
+            <a:r>
+              <a:rPr lang="en-US" altLang="ko-KR" dirty="0"/>
+              <a:t>(1/3)</a:t>
+            </a:r>
+          </a:p>
+          <a:p>
+            <a:pPr marL="0" marR="0" lvl="0" indent="0" algn="l" defTabSz="914400" rtl="0" eaLnBrk="1" fontAlgn="auto" latinLnBrk="1" hangingPunct="1">
+              <a:lnSpc>
+                <a:spcPct val="100000"/>
+              </a:lnSpc>
+              <a:spcBef>
+                <a:spcPts val="0"/>
+              </a:spcBef>
+              <a:spcAft>
+                <a:spcPts val="0"/>
+              </a:spcAft>
+              <a:buClrTx/>
+              <a:buSzTx/>
+              <a:buFontTx/>
+              <a:buNone/>
+              <a:tabLst/>
+              <a:defRPr/>
+            </a:pPr>
+            <a:r>
+              <a:rPr lang="ko-KR" altLang="en-US" dirty="0"/>
+              <a:t>예상 수행절차 및 기간</a:t>
+            </a:r>
+            <a:r>
+              <a:rPr lang="en-US" altLang="ko-KR" dirty="0"/>
+              <a:t>, </a:t>
+            </a:r>
+            <a:r>
+              <a:rPr lang="ko-KR" altLang="en-US" dirty="0"/>
+              <a:t>과정은 다음과 같습니다</a:t>
+            </a:r>
+            <a:r>
+              <a:rPr lang="en-US" altLang="ko-KR" dirty="0"/>
+              <a:t>.</a:t>
+            </a:r>
+            <a:endParaRPr lang="ko-KR" altLang="en-US" dirty="0"/>
+          </a:p>
+          <a:p>
+            <a:endParaRPr lang="ko-KR" altLang="en-US" dirty="0"/>
+          </a:p>
+        </p:txBody>
+      </p:sp>
+      <p:sp>
+        <p:nvSpPr>
+          <p:cNvPr id="4" name="슬라이드 번호 개체 틀 3"/>
+          <p:cNvSpPr>
+            <a:spLocks noGrp="1"/>
+          </p:cNvSpPr>
+          <p:nvPr>
+            <p:ph type="sldNum" sz="quarter" idx="5"/>
+          </p:nvPr>
+        </p:nvSpPr>
+        <p:spPr/>
+        <p:txBody>
+          <a:bodyPr/>
+          <a:lstStyle/>
+          <a:p>
+            <a:fld id="{21259E9D-A224-4BC1-A3DA-46B9CBA70860}" type="slidenum">
+              <a:rPr lang="ko-KR" altLang="en-US" smtClean="0"/>
+              <a:t>18</a:t>
+            </a:fld>
+            <a:endParaRPr lang="ko-KR" altLang="en-US"/>
+          </a:p>
+        </p:txBody>
+      </p:sp>
+    </p:spTree>
+    <p:extLst>
+      <p:ext uri="{BB962C8B-B14F-4D97-AF65-F5344CB8AC3E}">
+        <p14:creationId xmlns:p14="http://schemas.microsoft.com/office/powerpoint/2010/main" val="2198387640"/>
+      </p:ext>
+    </p:extLst>
+  </p:cSld>
+  <p:clrMapOvr>
+    <a:masterClrMapping/>
+  </p:clrMapOvr>
+</p:notes>
+</file>
+
+<file path=ppt/notesSlides/notesSlide19.xml><?xml version="1.0" encoding="utf-8"?>
+<p:notes xmlns:a="http://schemas.openxmlformats.org/drawingml/2006/main" xmlns:r="http://schemas.openxmlformats.org/officeDocument/2006/relationships" xmlns:p="http://schemas.openxmlformats.org/presentationml/2006/main">
+  <p:cSld>
+    <p:spTree>
+      <p:nvGrpSpPr>
+        <p:cNvPr id="1" name=""/>
+        <p:cNvGrpSpPr/>
+        <p:nvPr/>
+      </p:nvGrpSpPr>
+      <p:grpSpPr>
+        <a:xfrm>
+          <a:off x="0" y="0"/>
+          <a:ext cx="0" cy="0"/>
+          <a:chOff x="0" y="0"/>
+          <a:chExt cx="0" cy="0"/>
+        </a:xfrm>
+      </p:grpSpPr>
+      <p:sp>
+        <p:nvSpPr>
+          <p:cNvPr id="2" name="슬라이드 이미지 개체 틀 1"/>
+          <p:cNvSpPr>
+            <a:spLocks noGrp="1" noRot="1" noChangeAspect="1"/>
+          </p:cNvSpPr>
+          <p:nvPr>
+            <p:ph type="sldImg"/>
+          </p:nvPr>
+        </p:nvSpPr>
+        <p:spPr/>
+      </p:sp>
+      <p:sp>
+        <p:nvSpPr>
+          <p:cNvPr id="3" name="슬라이드 노트 개체 틀 2"/>
+          <p:cNvSpPr>
+            <a:spLocks noGrp="1"/>
+          </p:cNvSpPr>
+          <p:nvPr>
+            <p:ph type="body" idx="1"/>
+          </p:nvPr>
+        </p:nvSpPr>
+        <p:spPr/>
+        <p:txBody>
+          <a:bodyPr/>
+          <a:lstStyle/>
+          <a:p>
+            <a:pPr marL="0" marR="0" lvl="0" indent="0" algn="l" defTabSz="914400" rtl="0" eaLnBrk="1" fontAlgn="auto" latinLnBrk="1" hangingPunct="1">
+              <a:lnSpc>
+                <a:spcPct val="100000"/>
+              </a:lnSpc>
+              <a:spcBef>
+                <a:spcPts val="0"/>
+              </a:spcBef>
+              <a:spcAft>
+                <a:spcPts val="0"/>
+              </a:spcAft>
+              <a:buClrTx/>
+              <a:buSzTx/>
+              <a:buFontTx/>
+              <a:buNone/>
+              <a:tabLst/>
+              <a:defRPr/>
+            </a:pPr>
+            <a:r>
+              <a:rPr lang="en-US" altLang="ko-KR" dirty="0"/>
+              <a:t>(2/3)</a:t>
+            </a:r>
+          </a:p>
+          <a:p>
+            <a:pPr marL="0" marR="0" lvl="0" indent="0" algn="l" defTabSz="914400" rtl="0" eaLnBrk="1" fontAlgn="auto" latinLnBrk="1" hangingPunct="1">
+              <a:lnSpc>
+                <a:spcPct val="100000"/>
+              </a:lnSpc>
+              <a:spcBef>
+                <a:spcPts val="0"/>
+              </a:spcBef>
+              <a:spcAft>
+                <a:spcPts val="0"/>
+              </a:spcAft>
+              <a:buClrTx/>
+              <a:buSzTx/>
+              <a:buFontTx/>
+              <a:buNone/>
+              <a:tabLst/>
+              <a:defRPr/>
+            </a:pPr>
+            <a:r>
+              <a:rPr lang="ko-KR" altLang="en-US" dirty="0"/>
+              <a:t>예상 수행절차 및 기간</a:t>
+            </a:r>
+            <a:r>
+              <a:rPr lang="en-US" altLang="ko-KR" dirty="0"/>
+              <a:t>, </a:t>
+            </a:r>
+            <a:r>
+              <a:rPr lang="ko-KR" altLang="en-US" dirty="0"/>
+              <a:t>과정은 다음과 같습니다</a:t>
+            </a:r>
+            <a:r>
+              <a:rPr lang="en-US" altLang="ko-KR" dirty="0"/>
+              <a:t>.</a:t>
+            </a:r>
+            <a:endParaRPr lang="ko-KR" altLang="en-US" dirty="0"/>
+          </a:p>
+        </p:txBody>
+      </p:sp>
+      <p:sp>
+        <p:nvSpPr>
+          <p:cNvPr id="4" name="슬라이드 번호 개체 틀 3"/>
+          <p:cNvSpPr>
+            <a:spLocks noGrp="1"/>
+          </p:cNvSpPr>
+          <p:nvPr>
+            <p:ph type="sldNum" sz="quarter" idx="5"/>
+          </p:nvPr>
+        </p:nvSpPr>
+        <p:spPr/>
+        <p:txBody>
+          <a:bodyPr/>
+          <a:lstStyle/>
+          <a:p>
+            <a:fld id="{21259E9D-A224-4BC1-A3DA-46B9CBA70860}" type="slidenum">
+              <a:rPr lang="ko-KR" altLang="en-US" smtClean="0"/>
+              <a:t>19</a:t>
+            </a:fld>
+            <a:endParaRPr lang="ko-KR" altLang="en-US"/>
+          </a:p>
+        </p:txBody>
+      </p:sp>
+    </p:spTree>
+    <p:extLst>
+      <p:ext uri="{BB962C8B-B14F-4D97-AF65-F5344CB8AC3E}">
+        <p14:creationId xmlns:p14="http://schemas.microsoft.com/office/powerpoint/2010/main" val="1882165601"/>
+      </p:ext>
+    </p:extLst>
+  </p:cSld>
+  <p:clrMapOvr>
+    <a:masterClrMapping/>
+  </p:clrMapOvr>
+</p:notes>
+</file>
+
+<file path=ppt/notesSlides/notesSlide2.xml><?xml version="1.0" encoding="utf-8"?>
+<p:notes xmlns:a="http://schemas.openxmlformats.org/drawingml/2006/main" xmlns:r="http://schemas.openxmlformats.org/officeDocument/2006/relationships" xmlns:p="http://schemas.openxmlformats.org/presentationml/2006/main">
+  <p:cSld>
+    <p:spTree>
+      <p:nvGrpSpPr>
+        <p:cNvPr id="1" name=""/>
+        <p:cNvGrpSpPr/>
+        <p:nvPr/>
+      </p:nvGrpSpPr>
+      <p:grpSpPr>
+        <a:xfrm>
+          <a:off x="0" y="0"/>
+          <a:ext cx="0" cy="0"/>
+          <a:chOff x="0" y="0"/>
+          <a:chExt cx="0" cy="0"/>
+        </a:xfrm>
+      </p:grpSpPr>
+      <p:sp>
+        <p:nvSpPr>
+          <p:cNvPr id="2" name="슬라이드 이미지 개체 틀 1"/>
+          <p:cNvSpPr>
+            <a:spLocks noGrp="1" noRot="1" noChangeAspect="1"/>
+          </p:cNvSpPr>
+          <p:nvPr>
+            <p:ph type="sldImg"/>
+          </p:nvPr>
+        </p:nvSpPr>
+        <p:spPr/>
+      </p:sp>
+      <p:sp>
+        <p:nvSpPr>
+          <p:cNvPr id="3" name="슬라이드 노트 개체 틀 2"/>
+          <p:cNvSpPr>
+            <a:spLocks noGrp="1"/>
+          </p:cNvSpPr>
+          <p:nvPr>
+            <p:ph type="body" idx="1"/>
+          </p:nvPr>
+        </p:nvSpPr>
+        <p:spPr/>
+        <p:txBody>
+          <a:bodyPr/>
+          <a:lstStyle/>
+          <a:p>
+            <a:r>
+              <a:rPr lang="ko-KR" altLang="en-US" dirty="0"/>
+              <a:t>목차는 다음과 같으며 현재는 수행 절차까지 소개해드리고</a:t>
+            </a:r>
+          </a:p>
+          <a:p>
+            <a:r>
+              <a:rPr lang="ko-KR" altLang="en-US" dirty="0"/>
+              <a:t>그 뒤는 프로젝트를 진행하며 추후 업데이트 하도록 하겠습니다</a:t>
+            </a:r>
+            <a:r>
+              <a:rPr lang="en-US" altLang="ko-KR" dirty="0"/>
+              <a:t>.</a:t>
+            </a:r>
+            <a:endParaRPr lang="ko-KR" altLang="en-US" dirty="0"/>
+          </a:p>
+        </p:txBody>
+      </p:sp>
+      <p:sp>
+        <p:nvSpPr>
+          <p:cNvPr id="4" name="슬라이드 번호 개체 틀 3"/>
+          <p:cNvSpPr>
+            <a:spLocks noGrp="1"/>
+          </p:cNvSpPr>
+          <p:nvPr>
+            <p:ph type="sldNum" sz="quarter" idx="5"/>
+          </p:nvPr>
+        </p:nvSpPr>
+        <p:spPr/>
+        <p:txBody>
+          <a:bodyPr/>
+          <a:lstStyle/>
+          <a:p>
+            <a:fld id="{21259E9D-A224-4BC1-A3DA-46B9CBA70860}" type="slidenum">
+              <a:rPr lang="ko-KR" altLang="en-US" smtClean="0"/>
+              <a:t>2</a:t>
+            </a:fld>
+            <a:endParaRPr lang="ko-KR" altLang="en-US"/>
+          </a:p>
+        </p:txBody>
+      </p:sp>
+    </p:spTree>
+    <p:extLst>
+      <p:ext uri="{BB962C8B-B14F-4D97-AF65-F5344CB8AC3E}">
+        <p14:creationId xmlns:p14="http://schemas.microsoft.com/office/powerpoint/2010/main" val="3072769479"/>
+      </p:ext>
+    </p:extLst>
+  </p:cSld>
+  <p:clrMapOvr>
+    <a:masterClrMapping/>
+  </p:clrMapOvr>
+</p:notes>
+</file>
+
+<file path=ppt/notesSlides/notesSlide20.xml><?xml version="1.0" encoding="utf-8"?>
+<p:notes xmlns:a="http://schemas.openxmlformats.org/drawingml/2006/main" xmlns:r="http://schemas.openxmlformats.org/officeDocument/2006/relationships" xmlns:p="http://schemas.openxmlformats.org/presentationml/2006/main">
+  <p:cSld>
+    <p:spTree>
+      <p:nvGrpSpPr>
+        <p:cNvPr id="1" name=""/>
+        <p:cNvGrpSpPr/>
+        <p:nvPr/>
+      </p:nvGrpSpPr>
+      <p:grpSpPr>
+        <a:xfrm>
+          <a:off x="0" y="0"/>
+          <a:ext cx="0" cy="0"/>
+          <a:chOff x="0" y="0"/>
+          <a:chExt cx="0" cy="0"/>
+        </a:xfrm>
+      </p:grpSpPr>
+      <p:sp>
+        <p:nvSpPr>
+          <p:cNvPr id="2" name="슬라이드 이미지 개체 틀 1"/>
+          <p:cNvSpPr>
+            <a:spLocks noGrp="1" noRot="1" noChangeAspect="1"/>
+          </p:cNvSpPr>
+          <p:nvPr>
+            <p:ph type="sldImg"/>
+          </p:nvPr>
+        </p:nvSpPr>
+        <p:spPr/>
+      </p:sp>
+      <p:sp>
+        <p:nvSpPr>
+          <p:cNvPr id="3" name="슬라이드 노트 개체 틀 2"/>
+          <p:cNvSpPr>
+            <a:spLocks noGrp="1"/>
+          </p:cNvSpPr>
+          <p:nvPr>
+            <p:ph type="body" idx="1"/>
+          </p:nvPr>
+        </p:nvSpPr>
+        <p:spPr/>
+        <p:txBody>
+          <a:bodyPr/>
+          <a:lstStyle/>
+          <a:p>
+            <a:r>
+              <a:rPr lang="en-US" altLang="ko-KR" dirty="0"/>
+              <a:t>(3/3)</a:t>
+            </a:r>
+          </a:p>
+          <a:p>
+            <a:r>
+              <a:rPr lang="ko-KR" altLang="en-US" dirty="0"/>
+              <a:t>예상 수행절차 및 기간</a:t>
+            </a:r>
+            <a:r>
+              <a:rPr lang="en-US" altLang="ko-KR" dirty="0"/>
+              <a:t>, </a:t>
+            </a:r>
+            <a:r>
+              <a:rPr lang="ko-KR" altLang="en-US" dirty="0"/>
+              <a:t>과정은 다음과 같습니다</a:t>
+            </a:r>
+            <a:r>
+              <a:rPr lang="en-US" altLang="ko-KR" dirty="0"/>
+              <a:t>.</a:t>
+            </a:r>
+            <a:endParaRPr lang="ko-KR" altLang="en-US" dirty="0"/>
+          </a:p>
+        </p:txBody>
+      </p:sp>
+      <p:sp>
+        <p:nvSpPr>
+          <p:cNvPr id="4" name="슬라이드 번호 개체 틀 3"/>
+          <p:cNvSpPr>
+            <a:spLocks noGrp="1"/>
+          </p:cNvSpPr>
+          <p:nvPr>
+            <p:ph type="sldNum" sz="quarter" idx="5"/>
+          </p:nvPr>
+        </p:nvSpPr>
+        <p:spPr/>
+        <p:txBody>
+          <a:bodyPr/>
+          <a:lstStyle/>
+          <a:p>
+            <a:fld id="{21259E9D-A224-4BC1-A3DA-46B9CBA70860}" type="slidenum">
+              <a:rPr lang="ko-KR" altLang="en-US" smtClean="0"/>
+              <a:t>20</a:t>
+            </a:fld>
+            <a:endParaRPr lang="ko-KR" altLang="en-US"/>
+          </a:p>
+        </p:txBody>
+      </p:sp>
+    </p:spTree>
+    <p:extLst>
+      <p:ext uri="{BB962C8B-B14F-4D97-AF65-F5344CB8AC3E}">
+        <p14:creationId xmlns:p14="http://schemas.microsoft.com/office/powerpoint/2010/main" val="2064550607"/>
+      </p:ext>
+    </p:extLst>
+  </p:cSld>
+  <p:clrMapOvr>
+    <a:masterClrMapping/>
+  </p:clrMapOvr>
+</p:notes>
+</file>
+
+<file path=ppt/notesSlides/notesSlide21.xml><?xml version="1.0" encoding="utf-8"?>
+<p:notes xmlns:a="http://schemas.openxmlformats.org/drawingml/2006/main" xmlns:r="http://schemas.openxmlformats.org/officeDocument/2006/relationships" xmlns:p="http://schemas.openxmlformats.org/presentationml/2006/main">
+  <p:cSld>
+    <p:spTree>
+      <p:nvGrpSpPr>
+        <p:cNvPr id="1" name=""/>
+        <p:cNvGrpSpPr/>
+        <p:nvPr/>
+      </p:nvGrpSpPr>
+      <p:grpSpPr>
+        <a:xfrm>
+          <a:off x="0" y="0"/>
+          <a:ext cx="0" cy="0"/>
+          <a:chOff x="0" y="0"/>
+          <a:chExt cx="0" cy="0"/>
+        </a:xfrm>
+      </p:grpSpPr>
+      <p:sp>
+        <p:nvSpPr>
+          <p:cNvPr id="2" name="슬라이드 이미지 개체 틀 1"/>
+          <p:cNvSpPr>
+            <a:spLocks noGrp="1" noRot="1" noChangeAspect="1"/>
+          </p:cNvSpPr>
+          <p:nvPr>
+            <p:ph type="sldImg"/>
+          </p:nvPr>
+        </p:nvSpPr>
+        <p:spPr/>
+      </p:sp>
+      <p:sp>
+        <p:nvSpPr>
+          <p:cNvPr id="3" name="슬라이드 노트 개체 틀 2"/>
+          <p:cNvSpPr>
+            <a:spLocks noGrp="1"/>
+          </p:cNvSpPr>
+          <p:nvPr>
+            <p:ph type="body" idx="1"/>
+          </p:nvPr>
+        </p:nvSpPr>
+        <p:spPr/>
+        <p:txBody>
+          <a:bodyPr/>
+          <a:lstStyle/>
+          <a:p>
+            <a:r>
+              <a:rPr lang="ko-KR" altLang="en-US" dirty="0"/>
+              <a:t>추후 수정될 수 있으나 예상하는 개발환경은 다음과 같습니다</a:t>
+            </a:r>
+            <a:r>
+              <a:rPr lang="en-US" altLang="ko-KR" dirty="0"/>
+              <a:t>.</a:t>
+            </a:r>
+            <a:endParaRPr lang="ko-KR" altLang="en-US" dirty="0"/>
+          </a:p>
+        </p:txBody>
+      </p:sp>
+      <p:sp>
+        <p:nvSpPr>
+          <p:cNvPr id="4" name="슬라이드 번호 개체 틀 3"/>
+          <p:cNvSpPr>
+            <a:spLocks noGrp="1"/>
+          </p:cNvSpPr>
+          <p:nvPr>
+            <p:ph type="sldNum" sz="quarter" idx="5"/>
+          </p:nvPr>
+        </p:nvSpPr>
+        <p:spPr/>
+        <p:txBody>
+          <a:bodyPr/>
+          <a:lstStyle/>
+          <a:p>
+            <a:fld id="{21259E9D-A224-4BC1-A3DA-46B9CBA70860}" type="slidenum">
+              <a:rPr lang="ko-KR" altLang="en-US" smtClean="0"/>
+              <a:t>21</a:t>
+            </a:fld>
+            <a:endParaRPr lang="ko-KR" altLang="en-US"/>
+          </a:p>
+        </p:txBody>
+      </p:sp>
+    </p:spTree>
+    <p:extLst>
+      <p:ext uri="{BB962C8B-B14F-4D97-AF65-F5344CB8AC3E}">
+        <p14:creationId xmlns:p14="http://schemas.microsoft.com/office/powerpoint/2010/main" val="1700796952"/>
+      </p:ext>
+    </p:extLst>
+  </p:cSld>
+  <p:clrMapOvr>
+    <a:masterClrMapping/>
+  </p:clrMapOvr>
+</p:notes>
+</file>
+
+<file path=ppt/notesSlides/notesSlide22.xml><?xml version="1.0" encoding="utf-8"?>
+<p:notes xmlns:a="http://schemas.openxmlformats.org/drawingml/2006/main" xmlns:r="http://schemas.openxmlformats.org/officeDocument/2006/relationships" xmlns:p="http://schemas.openxmlformats.org/presentationml/2006/main">
+  <p:cSld>
+    <p:spTree>
+      <p:nvGrpSpPr>
+        <p:cNvPr id="1" name=""/>
+        <p:cNvGrpSpPr/>
+        <p:nvPr/>
+      </p:nvGrpSpPr>
+      <p:grpSpPr>
+        <a:xfrm>
+          <a:off x="0" y="0"/>
+          <a:ext cx="0" cy="0"/>
+          <a:chOff x="0" y="0"/>
+          <a:chExt cx="0" cy="0"/>
+        </a:xfrm>
+      </p:grpSpPr>
+      <p:sp>
+        <p:nvSpPr>
+          <p:cNvPr id="2" name="슬라이드 이미지 개체 틀 1"/>
+          <p:cNvSpPr>
+            <a:spLocks noGrp="1" noRot="1" noChangeAspect="1"/>
+          </p:cNvSpPr>
+          <p:nvPr>
+            <p:ph type="sldImg"/>
+          </p:nvPr>
+        </p:nvSpPr>
+        <p:spPr/>
+      </p:sp>
+      <p:sp>
+        <p:nvSpPr>
+          <p:cNvPr id="3" name="슬라이드 노트 개체 틀 2"/>
+          <p:cNvSpPr>
+            <a:spLocks noGrp="1"/>
+          </p:cNvSpPr>
+          <p:nvPr>
+            <p:ph type="body" idx="1"/>
+          </p:nvPr>
+        </p:nvSpPr>
+        <p:spPr/>
+        <p:txBody>
+          <a:bodyPr/>
+          <a:lstStyle/>
+          <a:p>
+            <a:r>
+              <a:rPr lang="ko-KR" altLang="en-US" dirty="0"/>
+              <a:t>출처는 다음과 같습니다</a:t>
+            </a:r>
+            <a:r>
+              <a:rPr lang="en-US" altLang="ko-KR" dirty="0"/>
+              <a:t>.</a:t>
+            </a:r>
+          </a:p>
+          <a:p>
+            <a:r>
+              <a:rPr lang="ko-KR" altLang="en-US" dirty="0"/>
+              <a:t>이상으로 발표를 마치겠습니다</a:t>
+            </a:r>
+            <a:r>
+              <a:rPr lang="en-US" altLang="ko-KR" dirty="0"/>
+              <a:t>. </a:t>
+            </a:r>
+            <a:r>
+              <a:rPr lang="ko-KR" altLang="en-US" dirty="0"/>
+              <a:t>감사합니다</a:t>
+            </a:r>
+          </a:p>
+        </p:txBody>
+      </p:sp>
+      <p:sp>
+        <p:nvSpPr>
+          <p:cNvPr id="4" name="슬라이드 번호 개체 틀 3"/>
+          <p:cNvSpPr>
+            <a:spLocks noGrp="1"/>
+          </p:cNvSpPr>
+          <p:nvPr>
+            <p:ph type="sldNum" sz="quarter" idx="5"/>
+          </p:nvPr>
+        </p:nvSpPr>
+        <p:spPr/>
+        <p:txBody>
+          <a:bodyPr/>
+          <a:lstStyle/>
+          <a:p>
+            <a:fld id="{21259E9D-A224-4BC1-A3DA-46B9CBA70860}" type="slidenum">
+              <a:rPr lang="ko-KR" altLang="en-US" smtClean="0"/>
+              <a:t>22</a:t>
+            </a:fld>
+            <a:endParaRPr lang="ko-KR" altLang="en-US"/>
+          </a:p>
+        </p:txBody>
+      </p:sp>
+    </p:spTree>
+    <p:extLst>
+      <p:ext uri="{BB962C8B-B14F-4D97-AF65-F5344CB8AC3E}">
+        <p14:creationId xmlns:p14="http://schemas.microsoft.com/office/powerpoint/2010/main" val="4141510255"/>
+      </p:ext>
+    </p:extLst>
+  </p:cSld>
+  <p:clrMapOvr>
+    <a:masterClrMapping/>
+  </p:clrMapOvr>
+</p:notes>
+</file>
+
+<file path=ppt/notesSlides/notesSlide3.xml><?xml version="1.0" encoding="utf-8"?>
+<p:notes xmlns:a="http://schemas.openxmlformats.org/drawingml/2006/main" xmlns:r="http://schemas.openxmlformats.org/officeDocument/2006/relationships" xmlns:p="http://schemas.openxmlformats.org/presentationml/2006/main">
+  <p:cSld>
+    <p:spTree>
+      <p:nvGrpSpPr>
+        <p:cNvPr id="1" name=""/>
+        <p:cNvGrpSpPr/>
+        <p:nvPr/>
+      </p:nvGrpSpPr>
+      <p:grpSpPr>
+        <a:xfrm>
+          <a:off x="0" y="0"/>
+          <a:ext cx="0" cy="0"/>
+          <a:chOff x="0" y="0"/>
+          <a:chExt cx="0" cy="0"/>
+        </a:xfrm>
+      </p:grpSpPr>
+      <p:sp>
+        <p:nvSpPr>
+          <p:cNvPr id="2" name="슬라이드 이미지 개체 틀 1"/>
+          <p:cNvSpPr>
+            <a:spLocks noGrp="1" noRot="1" noChangeAspect="1"/>
+          </p:cNvSpPr>
+          <p:nvPr>
+            <p:ph type="sldImg"/>
+          </p:nvPr>
+        </p:nvSpPr>
+        <p:spPr/>
+      </p:sp>
+      <p:sp>
+        <p:nvSpPr>
+          <p:cNvPr id="3" name="슬라이드 노트 개체 틀 2"/>
+          <p:cNvSpPr>
+            <a:spLocks noGrp="1"/>
+          </p:cNvSpPr>
+          <p:nvPr>
+            <p:ph type="body" idx="1"/>
+          </p:nvPr>
+        </p:nvSpPr>
+        <p:spPr/>
+        <p:txBody>
+          <a:bodyPr/>
+          <a:lstStyle/>
+          <a:p>
+            <a:r>
+              <a:rPr lang="ko-KR" altLang="en-US" dirty="0"/>
+              <a:t>저희 팀원 및 팀원들의 역할입니다</a:t>
+            </a:r>
+            <a:r>
+              <a:rPr lang="en-US" altLang="ko-KR" dirty="0"/>
+              <a:t>.</a:t>
+            </a:r>
+          </a:p>
+          <a:p>
+            <a:r>
+              <a:rPr lang="ko-KR" altLang="en-US" dirty="0" err="1"/>
+              <a:t>정상필</a:t>
+            </a:r>
+            <a:r>
+              <a:rPr lang="ko-KR" altLang="en-US" dirty="0"/>
+              <a:t> 조장을 중심으로 </a:t>
+            </a:r>
+            <a:r>
+              <a:rPr lang="en-US" altLang="ko-KR" dirty="0"/>
+              <a:t>4</a:t>
+            </a:r>
+            <a:r>
+              <a:rPr lang="ko-KR" altLang="en-US" dirty="0"/>
+              <a:t>명으로 구성 되어있습니다</a:t>
+            </a:r>
+            <a:r>
+              <a:rPr lang="en-US" altLang="ko-KR" dirty="0"/>
+              <a:t>. </a:t>
+            </a:r>
+          </a:p>
+          <a:p>
+            <a:r>
+              <a:rPr lang="ko-KR" altLang="en-US" dirty="0"/>
+              <a:t>데이터 수집 및 </a:t>
+            </a:r>
+            <a:r>
+              <a:rPr lang="ko-KR" altLang="en-US" dirty="0" err="1"/>
+              <a:t>스킬서버는</a:t>
+            </a:r>
+            <a:r>
+              <a:rPr lang="ko-KR" altLang="en-US" dirty="0"/>
+              <a:t> </a:t>
+            </a:r>
+            <a:r>
+              <a:rPr lang="ko-KR" altLang="en-US" dirty="0" err="1"/>
+              <a:t>공통사항이며</a:t>
+            </a:r>
+            <a:r>
+              <a:rPr lang="ko-KR" altLang="en-US" dirty="0"/>
+              <a:t> </a:t>
+            </a:r>
+            <a:endParaRPr lang="en-US" altLang="ko-KR" dirty="0"/>
+          </a:p>
+          <a:p>
+            <a:r>
+              <a:rPr lang="ko-KR" altLang="en-US" dirty="0"/>
+              <a:t>그 외 세부적으로 조금 나누었습니다</a:t>
+            </a:r>
+            <a:r>
+              <a:rPr lang="en-US" altLang="ko-KR" dirty="0"/>
+              <a:t>.</a:t>
+            </a:r>
+            <a:endParaRPr lang="ko-KR" altLang="en-US" dirty="0"/>
+          </a:p>
+        </p:txBody>
+      </p:sp>
+      <p:sp>
+        <p:nvSpPr>
+          <p:cNvPr id="4" name="슬라이드 번호 개체 틀 3"/>
+          <p:cNvSpPr>
+            <a:spLocks noGrp="1"/>
+          </p:cNvSpPr>
+          <p:nvPr>
+            <p:ph type="sldNum" sz="quarter" idx="5"/>
+          </p:nvPr>
+        </p:nvSpPr>
+        <p:spPr/>
+        <p:txBody>
+          <a:bodyPr/>
+          <a:lstStyle/>
+          <a:p>
+            <a:fld id="{21259E9D-A224-4BC1-A3DA-46B9CBA70860}" type="slidenum">
+              <a:rPr lang="ko-KR" altLang="en-US" smtClean="0"/>
+              <a:t>3</a:t>
+            </a:fld>
+            <a:endParaRPr lang="ko-KR" altLang="en-US"/>
+          </a:p>
+        </p:txBody>
+      </p:sp>
+    </p:spTree>
+    <p:extLst>
+      <p:ext uri="{BB962C8B-B14F-4D97-AF65-F5344CB8AC3E}">
+        <p14:creationId xmlns:p14="http://schemas.microsoft.com/office/powerpoint/2010/main" val="1639604205"/>
+      </p:ext>
+    </p:extLst>
+  </p:cSld>
+  <p:clrMapOvr>
+    <a:masterClrMapping/>
+  </p:clrMapOvr>
+</p:notes>
+</file>
+
+<file path=ppt/notesSlides/notesSlide4.xml><?xml version="1.0" encoding="utf-8"?>
+<p:notes xmlns:a="http://schemas.openxmlformats.org/drawingml/2006/main" xmlns:r="http://schemas.openxmlformats.org/officeDocument/2006/relationships" xmlns:p="http://schemas.openxmlformats.org/presentationml/2006/main">
+  <p:cSld>
+    <p:spTree>
+      <p:nvGrpSpPr>
+        <p:cNvPr id="1" name=""/>
+        <p:cNvGrpSpPr/>
+        <p:nvPr/>
+      </p:nvGrpSpPr>
+      <p:grpSpPr>
+        <a:xfrm>
+          <a:off x="0" y="0"/>
+          <a:ext cx="0" cy="0"/>
+          <a:chOff x="0" y="0"/>
+          <a:chExt cx="0" cy="0"/>
+        </a:xfrm>
+      </p:grpSpPr>
+      <p:sp>
+        <p:nvSpPr>
+          <p:cNvPr id="2" name="슬라이드 이미지 개체 틀 1"/>
+          <p:cNvSpPr>
+            <a:spLocks noGrp="1" noRot="1" noChangeAspect="1"/>
+          </p:cNvSpPr>
+          <p:nvPr>
+            <p:ph type="sldImg"/>
+          </p:nvPr>
+        </p:nvSpPr>
+        <p:spPr/>
+      </p:sp>
+      <p:sp>
+        <p:nvSpPr>
+          <p:cNvPr id="3" name="슬라이드 노트 개체 틀 2"/>
+          <p:cNvSpPr>
+            <a:spLocks noGrp="1"/>
+          </p:cNvSpPr>
+          <p:nvPr>
+            <p:ph type="body" idx="1"/>
+          </p:nvPr>
+        </p:nvSpPr>
+        <p:spPr/>
+        <p:txBody>
+          <a:bodyPr/>
+          <a:lstStyle/>
+          <a:p>
+            <a:r>
+              <a:rPr lang="ko-KR" altLang="en-US" dirty="0"/>
+              <a:t>저희가 구상한 </a:t>
+            </a:r>
+            <a:r>
+              <a:rPr lang="ko-KR" altLang="en-US" dirty="0" err="1"/>
+              <a:t>챗봇의</a:t>
+            </a:r>
+            <a:r>
+              <a:rPr lang="ko-KR" altLang="en-US" dirty="0"/>
+              <a:t> </a:t>
+            </a:r>
+            <a:r>
+              <a:rPr lang="en-US" altLang="ko-KR" dirty="0"/>
+              <a:t>'</a:t>
+            </a:r>
+            <a:r>
+              <a:rPr lang="ko-KR" altLang="en-US" dirty="0"/>
+              <a:t>기능적 요구사항</a:t>
+            </a:r>
+            <a:r>
+              <a:rPr lang="en-US" altLang="ko-KR" dirty="0"/>
+              <a:t>' </a:t>
+            </a:r>
+            <a:r>
+              <a:rPr lang="ko-KR" altLang="en-US" dirty="0"/>
+              <a:t>입니다</a:t>
+            </a:r>
+            <a:r>
+              <a:rPr lang="en-US" altLang="ko-KR" dirty="0"/>
+              <a:t>.</a:t>
+            </a:r>
+          </a:p>
+          <a:p>
+            <a:r>
+              <a:rPr lang="ko-KR" altLang="en-US" dirty="0"/>
+              <a:t>원하는 지역을 입력할 시</a:t>
+            </a:r>
+            <a:r>
+              <a:rPr lang="en-US" altLang="ko-KR" dirty="0"/>
+              <a:t>, </a:t>
+            </a:r>
+            <a:r>
+              <a:rPr lang="ko-KR" altLang="en-US" dirty="0"/>
+              <a:t>해당 지역의 공고가 </a:t>
+            </a:r>
+            <a:r>
+              <a:rPr lang="ko-KR" altLang="en-US" dirty="0" err="1"/>
+              <a:t>나올수</a:t>
+            </a:r>
+            <a:r>
+              <a:rPr lang="ko-KR" altLang="en-US" dirty="0"/>
+              <a:t> 있어야 하고</a:t>
+            </a:r>
+          </a:p>
+          <a:p>
+            <a:r>
+              <a:rPr lang="ko-KR" altLang="en-US" dirty="0"/>
+              <a:t>청약의 유형별 조건들을 간략히 제공하고</a:t>
+            </a:r>
+          </a:p>
+          <a:p>
+            <a:r>
+              <a:rPr lang="ko-KR" altLang="en-US" dirty="0"/>
+              <a:t>공고 및 조건들의 상세 정보들은 </a:t>
+            </a:r>
+            <a:r>
+              <a:rPr lang="en-US" altLang="ko-KR" dirty="0"/>
+              <a:t>URL</a:t>
+            </a:r>
+            <a:r>
+              <a:rPr lang="ko-KR" altLang="en-US" dirty="0"/>
+              <a:t>로 제공하고</a:t>
+            </a:r>
+          </a:p>
+          <a:p>
+            <a:r>
+              <a:rPr lang="ko-KR" altLang="en-US" dirty="0"/>
+              <a:t>마지막으로 청약의 유형 중 </a:t>
+            </a:r>
+            <a:r>
+              <a:rPr lang="ko-KR" altLang="en-US" dirty="0" err="1"/>
+              <a:t>가점제유형이</a:t>
+            </a:r>
+            <a:r>
+              <a:rPr lang="ko-KR" altLang="en-US" dirty="0"/>
+              <a:t> 있는데 </a:t>
+            </a:r>
+          </a:p>
+          <a:p>
+            <a:r>
+              <a:rPr lang="ko-KR" altLang="en-US" dirty="0"/>
+              <a:t>가점 계산 기능을 통해서 총 점수를 계산할 수 있어야 합니다</a:t>
+            </a:r>
+            <a:r>
+              <a:rPr lang="en-US" altLang="ko-KR" dirty="0"/>
+              <a:t>.</a:t>
+            </a:r>
+            <a:endParaRPr lang="ko-KR" altLang="en-US" dirty="0"/>
+          </a:p>
+        </p:txBody>
+      </p:sp>
+      <p:sp>
+        <p:nvSpPr>
+          <p:cNvPr id="4" name="슬라이드 번호 개체 틀 3"/>
+          <p:cNvSpPr>
+            <a:spLocks noGrp="1"/>
+          </p:cNvSpPr>
+          <p:nvPr>
+            <p:ph type="sldNum" sz="quarter" idx="5"/>
+          </p:nvPr>
+        </p:nvSpPr>
+        <p:spPr/>
+        <p:txBody>
+          <a:bodyPr/>
+          <a:lstStyle/>
+          <a:p>
+            <a:fld id="{21259E9D-A224-4BC1-A3DA-46B9CBA70860}" type="slidenum">
+              <a:rPr lang="ko-KR" altLang="en-US" smtClean="0"/>
+              <a:t>4</a:t>
+            </a:fld>
+            <a:endParaRPr lang="ko-KR" altLang="en-US"/>
+          </a:p>
+        </p:txBody>
+      </p:sp>
+    </p:spTree>
+    <p:extLst>
+      <p:ext uri="{BB962C8B-B14F-4D97-AF65-F5344CB8AC3E}">
+        <p14:creationId xmlns:p14="http://schemas.microsoft.com/office/powerpoint/2010/main" val="3470772777"/>
+      </p:ext>
+    </p:extLst>
+  </p:cSld>
+  <p:clrMapOvr>
+    <a:masterClrMapping/>
+  </p:clrMapOvr>
+</p:notes>
+</file>
+
+<file path=ppt/notesSlides/notesSlide5.xml><?xml version="1.0" encoding="utf-8"?>
+<p:notes xmlns:a="http://schemas.openxmlformats.org/drawingml/2006/main" xmlns:r="http://schemas.openxmlformats.org/officeDocument/2006/relationships" xmlns:p="http://schemas.openxmlformats.org/presentationml/2006/main">
+  <p:cSld>
+    <p:spTree>
+      <p:nvGrpSpPr>
+        <p:cNvPr id="1" name=""/>
+        <p:cNvGrpSpPr/>
+        <p:nvPr/>
+      </p:nvGrpSpPr>
+      <p:grpSpPr>
+        <a:xfrm>
+          <a:off x="0" y="0"/>
+          <a:ext cx="0" cy="0"/>
+          <a:chOff x="0" y="0"/>
+          <a:chExt cx="0" cy="0"/>
+        </a:xfrm>
+      </p:grpSpPr>
+      <p:sp>
+        <p:nvSpPr>
+          <p:cNvPr id="2" name="슬라이드 이미지 개체 틀 1"/>
+          <p:cNvSpPr>
+            <a:spLocks noGrp="1" noRot="1" noChangeAspect="1"/>
+          </p:cNvSpPr>
+          <p:nvPr>
+            <p:ph type="sldImg"/>
+          </p:nvPr>
+        </p:nvSpPr>
+        <p:spPr/>
+      </p:sp>
+      <p:sp>
+        <p:nvSpPr>
+          <p:cNvPr id="3" name="슬라이드 노트 개체 틀 2"/>
+          <p:cNvSpPr>
+            <a:spLocks noGrp="1"/>
+          </p:cNvSpPr>
+          <p:nvPr>
+            <p:ph type="body" idx="1"/>
+          </p:nvPr>
+        </p:nvSpPr>
+        <p:spPr/>
+        <p:txBody>
+          <a:bodyPr/>
+          <a:lstStyle/>
+          <a:p>
+            <a:r>
+              <a:rPr lang="ko-KR" altLang="en-US" dirty="0"/>
+              <a:t>저희가 이 주제를 선정하게 된 배경입니다</a:t>
+            </a:r>
+            <a:r>
+              <a:rPr lang="en-US" altLang="ko-KR" dirty="0"/>
+              <a:t>.</a:t>
+            </a:r>
+          </a:p>
+          <a:p>
+            <a:r>
+              <a:rPr lang="ko-KR" altLang="en-US" dirty="0"/>
+              <a:t>먼저 청약의 각종 조건들을 찾아보려고 하니 </a:t>
+            </a:r>
+            <a:endParaRPr lang="en-US" altLang="ko-KR" dirty="0"/>
+          </a:p>
+          <a:p>
+            <a:r>
+              <a:rPr lang="ko-KR" altLang="en-US" dirty="0"/>
+              <a:t>쉽게 정리된 곳을 찾아보기 힘들었습니다</a:t>
+            </a:r>
+            <a:r>
+              <a:rPr lang="en-US" altLang="ko-KR" dirty="0"/>
+              <a:t>.</a:t>
+            </a:r>
+          </a:p>
+          <a:p>
+            <a:endParaRPr lang="en-US" altLang="ko-KR" dirty="0"/>
+          </a:p>
+          <a:p>
+            <a:r>
+              <a:rPr lang="ko-KR" altLang="en-US" dirty="0"/>
+              <a:t>물론 잘 정리된 곳도 있겠지만 기본적으로 보이는 사진과 같이 </a:t>
+            </a:r>
+            <a:endParaRPr lang="en-US" altLang="ko-KR" dirty="0"/>
+          </a:p>
+          <a:p>
+            <a:r>
+              <a:rPr lang="ko-KR" altLang="en-US" dirty="0"/>
+              <a:t>블로그는 최소 </a:t>
+            </a:r>
+            <a:r>
+              <a:rPr lang="en-US" altLang="ko-KR" dirty="0"/>
+              <a:t>2~3</a:t>
+            </a:r>
+            <a:r>
+              <a:rPr lang="ko-KR" altLang="en-US" dirty="0"/>
+              <a:t>개씩 들어가서 확인해야 하며</a:t>
+            </a:r>
+            <a:r>
+              <a:rPr lang="en-US" altLang="ko-KR" dirty="0"/>
+              <a:t>,</a:t>
+            </a:r>
+          </a:p>
+          <a:p>
+            <a:r>
+              <a:rPr lang="ko-KR" altLang="en-US" dirty="0"/>
+              <a:t>법조문을 읽으려고 하니 해석하기가 어려웠습니다</a:t>
+            </a:r>
+            <a:r>
+              <a:rPr lang="en-US" altLang="ko-KR" dirty="0"/>
+              <a:t>.</a:t>
+            </a:r>
+          </a:p>
+          <a:p>
+            <a:r>
+              <a:rPr lang="ko-KR" altLang="en-US" dirty="0"/>
+              <a:t>이 경우들을 보며 정보에 대한 접근성이 좋지 못하다고 판단했습니다</a:t>
+            </a:r>
+            <a:r>
+              <a:rPr lang="en-US" altLang="ko-KR" dirty="0"/>
+              <a:t>.</a:t>
+            </a:r>
+            <a:endParaRPr lang="ko-KR" altLang="en-US" dirty="0"/>
+          </a:p>
+        </p:txBody>
+      </p:sp>
+      <p:sp>
+        <p:nvSpPr>
+          <p:cNvPr id="4" name="슬라이드 번호 개체 틀 3"/>
+          <p:cNvSpPr>
+            <a:spLocks noGrp="1"/>
+          </p:cNvSpPr>
+          <p:nvPr>
+            <p:ph type="sldNum" sz="quarter" idx="5"/>
+          </p:nvPr>
+        </p:nvSpPr>
+        <p:spPr/>
+        <p:txBody>
+          <a:bodyPr/>
+          <a:lstStyle/>
+          <a:p>
+            <a:fld id="{21259E9D-A224-4BC1-A3DA-46B9CBA70860}" type="slidenum">
+              <a:rPr lang="ko-KR" altLang="en-US" smtClean="0"/>
+              <a:t>5</a:t>
+            </a:fld>
+            <a:endParaRPr lang="ko-KR" altLang="en-US"/>
+          </a:p>
+        </p:txBody>
+      </p:sp>
+    </p:spTree>
+    <p:extLst>
+      <p:ext uri="{BB962C8B-B14F-4D97-AF65-F5344CB8AC3E}">
+        <p14:creationId xmlns:p14="http://schemas.microsoft.com/office/powerpoint/2010/main" val="1885231643"/>
+      </p:ext>
+    </p:extLst>
+  </p:cSld>
+  <p:clrMapOvr>
+    <a:masterClrMapping/>
+  </p:clrMapOvr>
+</p:notes>
+</file>
+
+<file path=ppt/notesSlides/notesSlide6.xml><?xml version="1.0" encoding="utf-8"?>
+<p:notes xmlns:a="http://schemas.openxmlformats.org/drawingml/2006/main" xmlns:r="http://schemas.openxmlformats.org/officeDocument/2006/relationships" xmlns:p="http://schemas.openxmlformats.org/presentationml/2006/main">
+  <p:cSld>
+    <p:spTree>
+      <p:nvGrpSpPr>
+        <p:cNvPr id="1" name=""/>
+        <p:cNvGrpSpPr/>
+        <p:nvPr/>
+      </p:nvGrpSpPr>
+      <p:grpSpPr>
+        <a:xfrm>
+          <a:off x="0" y="0"/>
+          <a:ext cx="0" cy="0"/>
+          <a:chOff x="0" y="0"/>
+          <a:chExt cx="0" cy="0"/>
+        </a:xfrm>
+      </p:grpSpPr>
+      <p:sp>
+        <p:nvSpPr>
+          <p:cNvPr id="2" name="슬라이드 이미지 개체 틀 1"/>
+          <p:cNvSpPr>
+            <a:spLocks noGrp="1" noRot="1" noChangeAspect="1"/>
+          </p:cNvSpPr>
+          <p:nvPr>
+            <p:ph type="sldImg"/>
+          </p:nvPr>
+        </p:nvSpPr>
+        <p:spPr/>
+      </p:sp>
+      <p:sp>
+        <p:nvSpPr>
+          <p:cNvPr id="3" name="슬라이드 노트 개체 틀 2"/>
+          <p:cNvSpPr>
+            <a:spLocks noGrp="1"/>
+          </p:cNvSpPr>
+          <p:nvPr>
+            <p:ph type="body" idx="1"/>
+          </p:nvPr>
+        </p:nvSpPr>
+        <p:spPr/>
+        <p:txBody>
+          <a:bodyPr/>
+          <a:lstStyle/>
+          <a:p>
+            <a:r>
+              <a:rPr lang="ko-KR" altLang="en-US" dirty="0"/>
+              <a:t>두 번째로 실제 운영되고 있는 </a:t>
+            </a:r>
+            <a:r>
+              <a:rPr lang="ko-KR" altLang="en-US" dirty="0" err="1"/>
+              <a:t>카카오챗봇</a:t>
+            </a:r>
+            <a:r>
+              <a:rPr lang="ko-KR" altLang="en-US" dirty="0"/>
+              <a:t> 중 </a:t>
+            </a:r>
+            <a:r>
+              <a:rPr lang="en-US" altLang="ko-KR" dirty="0"/>
+              <a:t>'</a:t>
+            </a:r>
+            <a:r>
+              <a:rPr lang="ko-KR" altLang="en-US" dirty="0"/>
+              <a:t>청약</a:t>
+            </a:r>
+            <a:r>
+              <a:rPr lang="en-US" altLang="ko-KR" dirty="0"/>
+              <a:t>365' </a:t>
+            </a:r>
+            <a:r>
+              <a:rPr lang="ko-KR" altLang="en-US" dirty="0"/>
+              <a:t>라는 </a:t>
+            </a:r>
+            <a:r>
+              <a:rPr lang="ko-KR" altLang="en-US" dirty="0" err="1"/>
+              <a:t>챗봇에</a:t>
+            </a:r>
+            <a:r>
+              <a:rPr lang="ko-KR" altLang="en-US" dirty="0"/>
+              <a:t> 들어가봤습니다</a:t>
+            </a:r>
+            <a:r>
+              <a:rPr lang="en-US" altLang="ko-KR" dirty="0"/>
+              <a:t>.</a:t>
+            </a:r>
+          </a:p>
+          <a:p>
+            <a:r>
+              <a:rPr lang="ko-KR" altLang="en-US" dirty="0"/>
+              <a:t>청약단지 공고는 잘 운영되고 있지만</a:t>
+            </a:r>
+            <a:r>
+              <a:rPr lang="en-US" altLang="ko-KR" dirty="0"/>
+              <a:t>, </a:t>
+            </a:r>
+            <a:r>
+              <a:rPr lang="ko-KR" altLang="en-US" dirty="0"/>
+              <a:t>그 외 </a:t>
+            </a:r>
+            <a:r>
+              <a:rPr lang="en-US" altLang="ko-KR" dirty="0"/>
+              <a:t>'</a:t>
+            </a:r>
+            <a:r>
+              <a:rPr lang="ko-KR" altLang="en-US" dirty="0"/>
+              <a:t>가점계산</a:t>
+            </a:r>
+            <a:r>
+              <a:rPr lang="en-US" altLang="ko-KR" dirty="0"/>
+              <a:t>', '</a:t>
+            </a:r>
+            <a:r>
+              <a:rPr lang="ko-KR" altLang="en-US" dirty="0"/>
+              <a:t>청약 가이드</a:t>
+            </a:r>
+            <a:r>
+              <a:rPr lang="en-US" altLang="ko-KR" dirty="0"/>
+              <a:t>' </a:t>
+            </a:r>
+            <a:r>
+              <a:rPr lang="ko-KR" altLang="en-US" dirty="0"/>
+              <a:t>등의 서비스는 미흡함을 발견했습니다</a:t>
+            </a:r>
+            <a:r>
+              <a:rPr lang="en-US" altLang="ko-KR" dirty="0"/>
+              <a:t>.</a:t>
+            </a:r>
+            <a:endParaRPr lang="ko-KR" altLang="en-US" dirty="0"/>
+          </a:p>
+        </p:txBody>
+      </p:sp>
+      <p:sp>
+        <p:nvSpPr>
+          <p:cNvPr id="4" name="슬라이드 번호 개체 틀 3"/>
+          <p:cNvSpPr>
+            <a:spLocks noGrp="1"/>
+          </p:cNvSpPr>
+          <p:nvPr>
+            <p:ph type="sldNum" sz="quarter" idx="5"/>
+          </p:nvPr>
+        </p:nvSpPr>
+        <p:spPr/>
+        <p:txBody>
+          <a:bodyPr/>
+          <a:lstStyle/>
+          <a:p>
+            <a:fld id="{21259E9D-A224-4BC1-A3DA-46B9CBA70860}" type="slidenum">
+              <a:rPr lang="ko-KR" altLang="en-US" smtClean="0"/>
+              <a:t>6</a:t>
+            </a:fld>
+            <a:endParaRPr lang="ko-KR" altLang="en-US"/>
+          </a:p>
+        </p:txBody>
+      </p:sp>
+    </p:spTree>
+    <p:extLst>
+      <p:ext uri="{BB962C8B-B14F-4D97-AF65-F5344CB8AC3E}">
+        <p14:creationId xmlns:p14="http://schemas.microsoft.com/office/powerpoint/2010/main" val="3730726389"/>
+      </p:ext>
+    </p:extLst>
+  </p:cSld>
+  <p:clrMapOvr>
+    <a:masterClrMapping/>
+  </p:clrMapOvr>
+</p:notes>
+</file>
+
+<file path=ppt/notesSlides/notesSlide7.xml><?xml version="1.0" encoding="utf-8"?>
+<p:notes xmlns:a="http://schemas.openxmlformats.org/drawingml/2006/main" xmlns:r="http://schemas.openxmlformats.org/officeDocument/2006/relationships" xmlns:p="http://schemas.openxmlformats.org/presentationml/2006/main">
+  <p:cSld>
+    <p:spTree>
+      <p:nvGrpSpPr>
+        <p:cNvPr id="1" name=""/>
+        <p:cNvGrpSpPr/>
+        <p:nvPr/>
+      </p:nvGrpSpPr>
+      <p:grpSpPr>
+        <a:xfrm>
+          <a:off x="0" y="0"/>
+          <a:ext cx="0" cy="0"/>
+          <a:chOff x="0" y="0"/>
+          <a:chExt cx="0" cy="0"/>
+        </a:xfrm>
+      </p:grpSpPr>
+      <p:sp>
+        <p:nvSpPr>
+          <p:cNvPr id="2" name="슬라이드 이미지 개체 틀 1"/>
+          <p:cNvSpPr>
+            <a:spLocks noGrp="1" noRot="1" noChangeAspect="1"/>
+          </p:cNvSpPr>
+          <p:nvPr>
+            <p:ph type="sldImg"/>
+          </p:nvPr>
+        </p:nvSpPr>
+        <p:spPr/>
+      </p:sp>
+      <p:sp>
+        <p:nvSpPr>
+          <p:cNvPr id="3" name="슬라이드 노트 개체 틀 2"/>
+          <p:cNvSpPr>
+            <a:spLocks noGrp="1"/>
+          </p:cNvSpPr>
+          <p:nvPr>
+            <p:ph type="body" idx="1"/>
+          </p:nvPr>
+        </p:nvSpPr>
+        <p:spPr/>
+        <p:txBody>
+          <a:bodyPr/>
+          <a:lstStyle/>
+          <a:p>
+            <a:r>
+              <a:rPr lang="ko-KR" altLang="en-US" dirty="0"/>
+              <a:t>정보에 대한 접근성이 좋지 못함과 각종 서비스의 미흡한 점들을 보고</a:t>
+            </a:r>
+          </a:p>
+          <a:p>
+            <a:r>
+              <a:rPr lang="en-US" altLang="ko-KR" dirty="0"/>
+              <a:t>'</a:t>
+            </a:r>
+            <a:r>
+              <a:rPr lang="ko-KR" altLang="en-US" dirty="0"/>
+              <a:t>빠르고 간편하게 청약 정보를 확인할 수 있는 </a:t>
+            </a:r>
+            <a:r>
+              <a:rPr lang="ko-KR" altLang="en-US" dirty="0" err="1"/>
+              <a:t>챗봇</a:t>
+            </a:r>
+            <a:r>
+              <a:rPr lang="en-US" altLang="ko-KR" dirty="0"/>
+              <a:t>' </a:t>
+            </a:r>
+            <a:r>
+              <a:rPr lang="ko-KR" altLang="en-US" dirty="0"/>
+              <a:t>을 만들자</a:t>
+            </a:r>
+            <a:r>
+              <a:rPr lang="en-US" altLang="ko-KR" dirty="0"/>
+              <a:t>. </a:t>
+            </a:r>
+          </a:p>
+          <a:p>
+            <a:r>
+              <a:rPr lang="ko-KR" altLang="en-US" dirty="0" err="1"/>
+              <a:t>라고</a:t>
+            </a:r>
+            <a:r>
+              <a:rPr lang="ko-KR" altLang="en-US" dirty="0"/>
+              <a:t> 주제가 선정되었습니다</a:t>
+            </a:r>
+            <a:r>
+              <a:rPr lang="en-US" altLang="ko-KR" dirty="0"/>
+              <a:t>.</a:t>
+            </a:r>
+            <a:endParaRPr lang="ko-KR" altLang="en-US" dirty="0"/>
+          </a:p>
+        </p:txBody>
+      </p:sp>
+      <p:sp>
+        <p:nvSpPr>
+          <p:cNvPr id="4" name="슬라이드 번호 개체 틀 3"/>
+          <p:cNvSpPr>
+            <a:spLocks noGrp="1"/>
+          </p:cNvSpPr>
+          <p:nvPr>
+            <p:ph type="sldNum" sz="quarter" idx="5"/>
+          </p:nvPr>
+        </p:nvSpPr>
+        <p:spPr/>
+        <p:txBody>
+          <a:bodyPr/>
+          <a:lstStyle/>
+          <a:p>
+            <a:fld id="{21259E9D-A224-4BC1-A3DA-46B9CBA70860}" type="slidenum">
+              <a:rPr lang="ko-KR" altLang="en-US" smtClean="0"/>
+              <a:t>7</a:t>
+            </a:fld>
+            <a:endParaRPr lang="ko-KR" altLang="en-US"/>
+          </a:p>
+        </p:txBody>
+      </p:sp>
+    </p:spTree>
+    <p:extLst>
+      <p:ext uri="{BB962C8B-B14F-4D97-AF65-F5344CB8AC3E}">
+        <p14:creationId xmlns:p14="http://schemas.microsoft.com/office/powerpoint/2010/main" val="3979751645"/>
+      </p:ext>
+    </p:extLst>
+  </p:cSld>
+  <p:clrMapOvr>
+    <a:masterClrMapping/>
+  </p:clrMapOvr>
+</p:notes>
+</file>
+
+<file path=ppt/notesSlides/notesSlide8.xml><?xml version="1.0" encoding="utf-8"?>
+<p:notes xmlns:a="http://schemas.openxmlformats.org/drawingml/2006/main" xmlns:r="http://schemas.openxmlformats.org/officeDocument/2006/relationships" xmlns:p="http://schemas.openxmlformats.org/presentationml/2006/main">
+  <p:cSld>
+    <p:spTree>
+      <p:nvGrpSpPr>
+        <p:cNvPr id="1" name=""/>
+        <p:cNvGrpSpPr/>
+        <p:nvPr/>
+      </p:nvGrpSpPr>
+      <p:grpSpPr>
+        <a:xfrm>
+          <a:off x="0" y="0"/>
+          <a:ext cx="0" cy="0"/>
+          <a:chOff x="0" y="0"/>
+          <a:chExt cx="0" cy="0"/>
+        </a:xfrm>
+      </p:grpSpPr>
+      <p:sp>
+        <p:nvSpPr>
+          <p:cNvPr id="2" name="슬라이드 이미지 개체 틀 1"/>
+          <p:cNvSpPr>
+            <a:spLocks noGrp="1" noRot="1" noChangeAspect="1"/>
+          </p:cNvSpPr>
+          <p:nvPr>
+            <p:ph type="sldImg"/>
+          </p:nvPr>
+        </p:nvSpPr>
+        <p:spPr/>
+      </p:sp>
+      <p:sp>
+        <p:nvSpPr>
+          <p:cNvPr id="3" name="슬라이드 노트 개체 틀 2"/>
+          <p:cNvSpPr>
+            <a:spLocks noGrp="1"/>
+          </p:cNvSpPr>
+          <p:nvPr>
+            <p:ph type="body" idx="1"/>
+          </p:nvPr>
+        </p:nvSpPr>
+        <p:spPr/>
+        <p:txBody>
+          <a:bodyPr/>
+          <a:lstStyle/>
+          <a:p>
+            <a:r>
+              <a:rPr lang="en-US" altLang="ko-KR" dirty="0"/>
+              <a:t>(1/2)</a:t>
+            </a:r>
+          </a:p>
+          <a:p>
+            <a:r>
+              <a:rPr lang="ko-KR" altLang="en-US" dirty="0"/>
+              <a:t>데이터 수집을 하면서 얻은 유형들 입니다</a:t>
+            </a:r>
+            <a:r>
+              <a:rPr lang="en-US" altLang="ko-KR" dirty="0"/>
+              <a:t>. </a:t>
+            </a:r>
+            <a:r>
+              <a:rPr lang="ko-KR" altLang="en-US" dirty="0"/>
+              <a:t>다음과 같은 청약 유형들이 있습니다</a:t>
+            </a:r>
+            <a:r>
+              <a:rPr lang="en-US" altLang="ko-KR" dirty="0"/>
+              <a:t>.</a:t>
+            </a:r>
+            <a:endParaRPr lang="ko-KR" altLang="en-US" dirty="0"/>
+          </a:p>
+        </p:txBody>
+      </p:sp>
+      <p:sp>
+        <p:nvSpPr>
+          <p:cNvPr id="4" name="슬라이드 번호 개체 틀 3"/>
+          <p:cNvSpPr>
+            <a:spLocks noGrp="1"/>
+          </p:cNvSpPr>
+          <p:nvPr>
+            <p:ph type="sldNum" sz="quarter" idx="5"/>
+          </p:nvPr>
+        </p:nvSpPr>
+        <p:spPr/>
+        <p:txBody>
+          <a:bodyPr/>
+          <a:lstStyle/>
+          <a:p>
+            <a:fld id="{21259E9D-A224-4BC1-A3DA-46B9CBA70860}" type="slidenum">
+              <a:rPr lang="ko-KR" altLang="en-US" smtClean="0"/>
+              <a:t>8</a:t>
+            </a:fld>
+            <a:endParaRPr lang="ko-KR" altLang="en-US"/>
+          </a:p>
+        </p:txBody>
+      </p:sp>
+    </p:spTree>
+    <p:extLst>
+      <p:ext uri="{BB962C8B-B14F-4D97-AF65-F5344CB8AC3E}">
+        <p14:creationId xmlns:p14="http://schemas.microsoft.com/office/powerpoint/2010/main" val="1795116235"/>
+      </p:ext>
+    </p:extLst>
+  </p:cSld>
+  <p:clrMapOvr>
+    <a:masterClrMapping/>
+  </p:clrMapOvr>
+</p:notes>
+</file>
+
+<file path=ppt/notesSlides/notesSlide9.xml><?xml version="1.0" encoding="utf-8"?>
+<p:notes xmlns:a="http://schemas.openxmlformats.org/drawingml/2006/main" xmlns:r="http://schemas.openxmlformats.org/officeDocument/2006/relationships" xmlns:p="http://schemas.openxmlformats.org/presentationml/2006/main">
+  <p:cSld>
+    <p:spTree>
+      <p:nvGrpSpPr>
+        <p:cNvPr id="1" name=""/>
+        <p:cNvGrpSpPr/>
+        <p:nvPr/>
+      </p:nvGrpSpPr>
+      <p:grpSpPr>
+        <a:xfrm>
+          <a:off x="0" y="0"/>
+          <a:ext cx="0" cy="0"/>
+          <a:chOff x="0" y="0"/>
+          <a:chExt cx="0" cy="0"/>
+        </a:xfrm>
+      </p:grpSpPr>
+      <p:sp>
+        <p:nvSpPr>
+          <p:cNvPr id="2" name="슬라이드 이미지 개체 틀 1"/>
+          <p:cNvSpPr>
+            <a:spLocks noGrp="1" noRot="1" noChangeAspect="1"/>
+          </p:cNvSpPr>
+          <p:nvPr>
+            <p:ph type="sldImg"/>
+          </p:nvPr>
+        </p:nvSpPr>
+        <p:spPr/>
+      </p:sp>
+      <p:sp>
+        <p:nvSpPr>
+          <p:cNvPr id="3" name="슬라이드 노트 개체 틀 2"/>
+          <p:cNvSpPr>
+            <a:spLocks noGrp="1"/>
+          </p:cNvSpPr>
+          <p:nvPr>
+            <p:ph type="body" idx="1"/>
+          </p:nvPr>
+        </p:nvSpPr>
+        <p:spPr/>
+        <p:txBody>
+          <a:bodyPr/>
+          <a:lstStyle/>
+          <a:p>
+            <a:r>
+              <a:rPr lang="en-US" altLang="ko-KR" dirty="0"/>
+              <a:t>(2/2)</a:t>
+            </a:r>
+          </a:p>
+          <a:p>
+            <a:r>
+              <a:rPr lang="ko-KR" altLang="en-US" dirty="0"/>
+              <a:t>데이터 수집을 하면서 얻은 유형들 입니다</a:t>
+            </a:r>
+            <a:r>
+              <a:rPr lang="en-US" altLang="ko-KR" dirty="0"/>
+              <a:t>. </a:t>
+            </a:r>
+            <a:r>
+              <a:rPr lang="ko-KR" altLang="en-US" dirty="0"/>
+              <a:t>다음과 같은 청약 유형들이 있습니다</a:t>
+            </a:r>
+            <a:r>
+              <a:rPr lang="en-US" altLang="ko-KR" dirty="0"/>
+              <a:t>.</a:t>
+            </a:r>
+            <a:endParaRPr lang="ko-KR" altLang="en-US" dirty="0"/>
+          </a:p>
+        </p:txBody>
+      </p:sp>
+      <p:sp>
+        <p:nvSpPr>
+          <p:cNvPr id="4" name="슬라이드 번호 개체 틀 3"/>
+          <p:cNvSpPr>
+            <a:spLocks noGrp="1"/>
+          </p:cNvSpPr>
+          <p:nvPr>
+            <p:ph type="sldNum" sz="quarter" idx="5"/>
+          </p:nvPr>
+        </p:nvSpPr>
+        <p:spPr/>
+        <p:txBody>
+          <a:bodyPr/>
+          <a:lstStyle/>
+          <a:p>
+            <a:fld id="{21259E9D-A224-4BC1-A3DA-46B9CBA70860}" type="slidenum">
+              <a:rPr lang="ko-KR" altLang="en-US" smtClean="0"/>
+              <a:t>9</a:t>
+            </a:fld>
+            <a:endParaRPr lang="ko-KR" altLang="en-US"/>
+          </a:p>
+        </p:txBody>
+      </p:sp>
+    </p:spTree>
+    <p:extLst>
+      <p:ext uri="{BB962C8B-B14F-4D97-AF65-F5344CB8AC3E}">
+        <p14:creationId xmlns:p14="http://schemas.microsoft.com/office/powerpoint/2010/main" val="1812554115"/>
+      </p:ext>
+    </p:extLst>
+  </p:cSld>
+  <p:clrMapOvr>
+    <a:masterClrMapping/>
+  </p:clrMapOvr>
+</p:notes>
 </file>
 
 <file path=ppt/slideLayouts/slideLayout1.xml><?xml version="1.0" encoding="utf-8"?>
@@ -3872,7 +7349,7 @@
             <p:nvPr/>
           </p:nvPicPr>
           <p:blipFill>
-            <a:blip r:embed="rId2">
+            <a:blip r:embed="rId3">
               <a:extLst>
                 <a:ext uri="{28A0092B-C50C-407E-A947-70E740481C1C}">
                   <a14:useLocalDpi xmlns:a14="http://schemas.microsoft.com/office/drawing/2010/main" val="0"/>
@@ -3919,7 +7396,7 @@
             <p:nvPr/>
           </p:nvPicPr>
           <p:blipFill>
-            <a:blip r:embed="rId3">
+            <a:blip r:embed="rId4">
               <a:extLst>
                 <a:ext uri="{28A0092B-C50C-407E-A947-70E740481C1C}">
                   <a14:useLocalDpi xmlns:a14="http://schemas.microsoft.com/office/drawing/2010/main" val="0"/>
@@ -3966,7 +7443,7 @@
             <p:nvPr/>
           </p:nvPicPr>
           <p:blipFill>
-            <a:blip r:embed="rId4">
+            <a:blip r:embed="rId5">
               <a:extLst>
                 <a:ext uri="{28A0092B-C50C-407E-A947-70E740481C1C}">
                   <a14:useLocalDpi xmlns:a14="http://schemas.microsoft.com/office/drawing/2010/main" val="0"/>
@@ -4013,7 +7490,7 @@
             <p:nvPr/>
           </p:nvPicPr>
           <p:blipFill>
-            <a:blip r:embed="rId5">
+            <a:blip r:embed="rId6">
               <a:extLst>
                 <a:ext uri="{28A0092B-C50C-407E-A947-70E740481C1C}">
                   <a14:useLocalDpi xmlns:a14="http://schemas.microsoft.com/office/drawing/2010/main" val="0"/>
@@ -4553,7 +8030,7 @@
           <p:nvPr/>
         </p:nvPicPr>
         <p:blipFill>
-          <a:blip r:embed="rId2"/>
+          <a:blip r:embed="rId3"/>
           <a:stretch>
             <a:fillRect/>
           </a:stretch>
@@ -5097,7 +8574,7 @@
             <p:nvPr/>
           </p:nvPicPr>
           <p:blipFill>
-            <a:blip r:embed="rId2"/>
+            <a:blip r:embed="rId3"/>
             <a:stretch>
               <a:fillRect/>
             </a:stretch>
@@ -5283,7 +8760,7 @@
             <p:nvPr/>
           </p:nvPicPr>
           <p:blipFill>
-            <a:blip r:embed="rId2"/>
+            <a:blip r:embed="rId3"/>
             <a:stretch>
               <a:fillRect/>
             </a:stretch>
@@ -5657,7 +9134,7 @@
             <p:nvPr/>
           </p:nvPicPr>
           <p:blipFill>
-            <a:blip r:embed="rId3"/>
+            <a:blip r:embed="rId4"/>
             <a:stretch>
               <a:fillRect/>
             </a:stretch>
@@ -5687,7 +9164,7 @@
             <p:nvPr/>
           </p:nvPicPr>
           <p:blipFill rotWithShape="1">
-            <a:blip r:embed="rId4"/>
+            <a:blip r:embed="rId5"/>
             <a:srcRect r="369" b="3453"/>
             <a:stretch/>
           </p:blipFill>
@@ -6014,7 +9491,7 @@
           <p:nvPr/>
         </p:nvPicPr>
         <p:blipFill>
-          <a:blip r:embed="rId2"/>
+          <a:blip r:embed="rId3"/>
           <a:stretch>
             <a:fillRect/>
           </a:stretch>
@@ -6395,7 +9872,7 @@
             <p:nvPr/>
           </p:nvPicPr>
           <p:blipFill>
-            <a:blip r:embed="rId3">
+            <a:blip r:embed="rId4">
               <a:extLst>
                 <a:ext uri="{28A0092B-C50C-407E-A947-70E740481C1C}">
                   <a14:useLocalDpi xmlns:a14="http://schemas.microsoft.com/office/drawing/2010/main" val="0"/>
@@ -6630,7 +10107,7 @@
           <p:nvPr/>
         </p:nvPicPr>
         <p:blipFill>
-          <a:blip r:embed="rId4"/>
+          <a:blip r:embed="rId5"/>
           <a:stretch>
             <a:fillRect/>
           </a:stretch>
@@ -7232,7 +10709,7 @@
             <p:nvPr/>
           </p:nvPicPr>
           <p:blipFill>
-            <a:blip r:embed="rId2"/>
+            <a:blip r:embed="rId3"/>
             <a:stretch>
               <a:fillRect/>
             </a:stretch>
@@ -7512,7 +10989,7 @@
             <p:nvPr/>
           </p:nvPicPr>
           <p:blipFill rotWithShape="1">
-            <a:blip r:embed="rId3"/>
+            <a:blip r:embed="rId4"/>
             <a:srcRect t="1195" r="53858" b="197"/>
             <a:stretch/>
           </p:blipFill>
@@ -7541,7 +11018,7 @@
             <p:nvPr/>
           </p:nvPicPr>
           <p:blipFill rotWithShape="1">
-            <a:blip r:embed="rId3"/>
+            <a:blip r:embed="rId4"/>
             <a:srcRect l="56743" t="1205" r="11069" b="134"/>
             <a:stretch/>
           </p:blipFill>
@@ -7640,7 +11117,7 @@
             <p:nvPr/>
           </p:nvPicPr>
           <p:blipFill>
-            <a:blip r:embed="rId2"/>
+            <a:blip r:embed="rId3"/>
             <a:stretch>
               <a:fillRect/>
             </a:stretch>
@@ -8105,7 +11582,7 @@
           <p:nvPr/>
         </p:nvPicPr>
         <p:blipFill>
-          <a:blip r:embed="rId4" cstate="print">
+          <a:blip r:embed="rId5" cstate="print">
             <a:extLst>
               <a:ext uri="{28A0092B-C50C-407E-A947-70E740481C1C}">
                 <a14:useLocalDpi xmlns:a14="http://schemas.microsoft.com/office/drawing/2010/main" val="0"/>
@@ -8637,7 +12114,7 @@
           <p:nvPr/>
         </p:nvPicPr>
         <p:blipFill>
-          <a:blip r:embed="rId2"/>
+          <a:blip r:embed="rId3"/>
           <a:stretch>
             <a:fillRect/>
           </a:stretch>
@@ -8673,7 +12150,7 @@
         </p:nvSpPr>
         <p:spPr>
           <a:xfrm>
-            <a:off x="4115696" y="5904372"/>
+            <a:off x="3396907" y="5908388"/>
             <a:ext cx="1771494" cy="261610"/>
           </a:xfrm>
           <a:prstGeom prst="rect">
@@ -8696,10 +12173,17 @@
               <a:t>: </a:t>
             </a:r>
             <a:r>
-              <a:rPr lang="ko-KR" altLang="en-US" sz="1100" dirty="0" err="1"/>
-              <a:t>청약홈</a:t>
-            </a:r>
-            <a:endParaRPr lang="ko-KR" altLang="en-US" sz="1100" dirty="0"/>
+              <a:rPr lang="ko-KR" altLang="en-US" sz="1100" dirty="0"/>
+              <a:t>블로그 </a:t>
+            </a:r>
+            <a:r>
+              <a:rPr lang="en-US" altLang="ko-KR" sz="1100" dirty="0"/>
+              <a:t>- </a:t>
+            </a:r>
+            <a:r>
+              <a:rPr lang="ko-KR" altLang="en-US" sz="1100" dirty="0"/>
+              <a:t>민영사랑</a:t>
+            </a:r>
           </a:p>
         </p:txBody>
       </p:sp>
@@ -8802,7 +12286,7 @@
                 <a:avLst/>
               </a:prstGeom>
               <a:blipFill>
-                <a:blip r:embed="rId3"/>
+                <a:blip r:embed="rId4"/>
                 <a:stretch>
                   <a:fillRect l="-1661" r="-1993" b="-11111"/>
                 </a:stretch>
@@ -9552,9 +13036,9 @@
         <p:grpSpPr>
           <a:xfrm>
             <a:off x="2287325" y="2669449"/>
-            <a:ext cx="1648488" cy="1836750"/>
+            <a:ext cx="1646691" cy="1836750"/>
             <a:chOff x="1464810" y="4000504"/>
-            <a:chExt cx="1648488" cy="1836750"/>
+            <a:chExt cx="1646691" cy="1836750"/>
           </a:xfrm>
         </p:grpSpPr>
         <p:grpSp>
@@ -9572,9 +13056,9 @@
           <p:grpSpPr>
             <a:xfrm>
               <a:off x="1464810" y="4000504"/>
-              <a:ext cx="1648488" cy="1836750"/>
+              <a:ext cx="1646691" cy="1836750"/>
               <a:chOff x="1464810" y="3620114"/>
-              <a:chExt cx="1648488" cy="1836750"/>
+              <a:chExt cx="1646691" cy="1836750"/>
             </a:xfrm>
           </p:grpSpPr>
           <p:sp>
@@ -9650,7 +13134,7 @@
             </p:nvCxnSpPr>
             <p:spPr>
               <a:xfrm rot="5400000">
-                <a:off x="2590504" y="4141320"/>
+                <a:off x="2588707" y="4144903"/>
                 <a:ext cx="1044000" cy="1588"/>
               </a:xfrm>
               <a:prstGeom prst="line">
@@ -11105,7 +14589,7 @@
           <p:nvPr>
             <p:extLst>
               <p:ext uri="{D42A27DB-BD31-4B8C-83A1-F6EECF244321}">
-                <p14:modId xmlns:p14="http://schemas.microsoft.com/office/powerpoint/2010/main" val="1116858426"/>
+                <p14:modId xmlns:p14="http://schemas.microsoft.com/office/powerpoint/2010/main" val="2951044326"/>
               </p:ext>
             </p:extLst>
           </p:nvPr>
@@ -11464,18 +14948,6 @@
                         <a:tabLst/>
                         <a:defRPr/>
                       </a:pPr>
-                      <a:r>
-                        <a:rPr lang="en-US" altLang="ko-KR" sz="1600" kern="0" dirty="0">
-                          <a:ln w="12700">
-                            <a:noFill/>
-                          </a:ln>
-                          <a:solidFill>
-                            <a:schemeClr val="tx1"/>
-                          </a:solidFill>
-                          <a:effectLst/>
-                        </a:rPr>
-                        <a:t> </a:t>
-                      </a:r>
                       <a:r>
                         <a:rPr lang="en-US" altLang="ko-KR" sz="1600" b="1" kern="0" dirty="0">
                           <a:ln w="12700">
@@ -14679,7 +18151,7 @@
             <p:nvPr/>
           </p:nvPicPr>
           <p:blipFill>
-            <a:blip r:embed="rId2" cstate="print">
+            <a:blip r:embed="rId3" cstate="print">
               <a:extLst>
                 <a:ext uri="{28A0092B-C50C-407E-A947-70E740481C1C}">
                   <a14:useLocalDpi xmlns:a14="http://schemas.microsoft.com/office/drawing/2010/main" val="0"/>
@@ -14726,7 +18198,7 @@
             <p:nvPr/>
           </p:nvPicPr>
           <p:blipFill>
-            <a:blip r:embed="rId2" cstate="print">
+            <a:blip r:embed="rId3" cstate="print">
               <a:extLst>
                 <a:ext uri="{28A0092B-C50C-407E-A947-70E740481C1C}">
                   <a14:useLocalDpi xmlns:a14="http://schemas.microsoft.com/office/drawing/2010/main" val="0"/>
@@ -14773,7 +18245,7 @@
             <p:nvPr/>
           </p:nvPicPr>
           <p:blipFill>
-            <a:blip r:embed="rId2" cstate="print">
+            <a:blip r:embed="rId3" cstate="print">
               <a:extLst>
                 <a:ext uri="{28A0092B-C50C-407E-A947-70E740481C1C}">
                   <a14:useLocalDpi xmlns:a14="http://schemas.microsoft.com/office/drawing/2010/main" val="0"/>
@@ -14820,7 +18292,7 @@
             <p:nvPr/>
           </p:nvPicPr>
           <p:blipFill>
-            <a:blip r:embed="rId2" cstate="print">
+            <a:blip r:embed="rId3" cstate="print">
               <a:extLst>
                 <a:ext uri="{28A0092B-C50C-407E-A947-70E740481C1C}">
                   <a14:useLocalDpi xmlns:a14="http://schemas.microsoft.com/office/drawing/2010/main" val="0"/>
@@ -14867,7 +18339,7 @@
             <p:nvPr/>
           </p:nvPicPr>
           <p:blipFill>
-            <a:blip r:embed="rId2" cstate="print">
+            <a:blip r:embed="rId3" cstate="print">
               <a:extLst>
                 <a:ext uri="{28A0092B-C50C-407E-A947-70E740481C1C}">
                   <a14:useLocalDpi xmlns:a14="http://schemas.microsoft.com/office/drawing/2010/main" val="0"/>
@@ -15521,7 +18993,7 @@
             <p:nvPr/>
           </p:nvPicPr>
           <p:blipFill>
-            <a:blip r:embed="rId2" cstate="print">
+            <a:blip r:embed="rId3" cstate="print">
               <a:extLst>
                 <a:ext uri="{28A0092B-C50C-407E-A947-70E740481C1C}">
                   <a14:useLocalDpi xmlns:a14="http://schemas.microsoft.com/office/drawing/2010/main" val="0"/>
@@ -15568,7 +19040,7 @@
             <p:nvPr/>
           </p:nvPicPr>
           <p:blipFill>
-            <a:blip r:embed="rId2" cstate="print">
+            <a:blip r:embed="rId3" cstate="print">
               <a:extLst>
                 <a:ext uri="{28A0092B-C50C-407E-A947-70E740481C1C}">
                   <a14:useLocalDpi xmlns:a14="http://schemas.microsoft.com/office/drawing/2010/main" val="0"/>
@@ -15615,7 +19087,7 @@
             <p:nvPr/>
           </p:nvPicPr>
           <p:blipFill>
-            <a:blip r:embed="rId2" cstate="print">
+            <a:blip r:embed="rId3" cstate="print">
               <a:extLst>
                 <a:ext uri="{28A0092B-C50C-407E-A947-70E740481C1C}">
                   <a14:useLocalDpi xmlns:a14="http://schemas.microsoft.com/office/drawing/2010/main" val="0"/>
@@ -15662,7 +19134,7 @@
             <p:nvPr/>
           </p:nvPicPr>
           <p:blipFill>
-            <a:blip r:embed="rId2" cstate="print">
+            <a:blip r:embed="rId3" cstate="print">
               <a:extLst>
                 <a:ext uri="{28A0092B-C50C-407E-A947-70E740481C1C}">
                   <a14:useLocalDpi xmlns:a14="http://schemas.microsoft.com/office/drawing/2010/main" val="0"/>
@@ -18912,7 +22384,7 @@
           <p:nvPr/>
         </p:nvPicPr>
         <p:blipFill>
-          <a:blip r:embed="rId2" cstate="print">
+          <a:blip r:embed="rId3" cstate="print">
             <a:extLst>
               <a:ext uri="{28A0092B-C50C-407E-A947-70E740481C1C}">
                 <a14:useLocalDpi xmlns:a14="http://schemas.microsoft.com/office/drawing/2010/main" val="0"/>
@@ -19016,7 +22488,7 @@
           <p:nvPr/>
         </p:nvPicPr>
         <p:blipFill>
-          <a:blip r:embed="rId3"/>
+          <a:blip r:embed="rId4"/>
           <a:stretch>
             <a:fillRect/>
           </a:stretch>
@@ -31535,7 +35007,7 @@
             <a:pPr algn="just"/>
             <a:r>
               <a:rPr lang="en-US" altLang="ko-KR" sz="1400" dirty="0" err="1"/>
-              <a:t>pgAmin</a:t>
+              <a:t>pgAdmin</a:t>
             </a:r>
             <a:r>
               <a:rPr lang="en-US" altLang="ko-KR" sz="1400" dirty="0"/>
@@ -31546,7 +35018,7 @@
             <a:pPr algn="just"/>
             <a:r>
               <a:rPr lang="en-US" altLang="ko-KR" sz="1400" dirty="0" err="1"/>
-              <a:t>Postgressql</a:t>
+              <a:t>Postgresql</a:t>
             </a:r>
             <a:r>
               <a:rPr lang="en-US" altLang="ko-KR" sz="1400" dirty="0"/>
@@ -32663,61 +36135,49 @@
           </a:p>
           <a:p>
             <a:r>
+              <a:rPr lang="en-US" altLang="ko-KR" sz="1400" dirty="0"/>
+              <a:t># </a:t>
+            </a:r>
+            <a:r>
               <a:rPr lang="ko-KR" altLang="en-US" sz="1400" dirty="0"/>
               <a:t>청약에 대한 개념</a:t>
             </a:r>
             <a:endParaRPr lang="en-US" altLang="ko-KR" sz="1400" dirty="0"/>
           </a:p>
           <a:p>
-            <a:r>
-              <a:rPr lang="en-US" altLang="ko-KR" sz="1400" dirty="0">
-                <a:hlinkClick r:id="rId2"/>
-              </a:rPr>
-              <a:t>https://blog.naver.com/kmjlmy5964/222191515331</a:t>
-            </a:r>
-            <a:endParaRPr lang="en-US" altLang="ko-KR" sz="1400" dirty="0"/>
-          </a:p>
-          <a:p>
-            <a:endParaRPr lang="en-US" altLang="ko-KR" sz="1400" dirty="0">
-              <a:hlinkClick r:id="rId3"/>
-            </a:endParaRPr>
-          </a:p>
-          <a:p>
-            <a:r>
-              <a:rPr lang="ko-KR" altLang="en-US" sz="1400" dirty="0">
-                <a:hlinkClick r:id="rId3"/>
-              </a:rPr>
-              <a:t>청약법령 </a:t>
-            </a:r>
             <a:r>
               <a:rPr lang="en-US" altLang="ko-KR" sz="1400" dirty="0">
                 <a:hlinkClick r:id="rId3"/>
               </a:rPr>
-              <a:t>https://www.law.go.kr/%EB%B2%95%EB%A0%B9/%EC%A3%BC%ED%83%9D%EA%B3%B5%EA%B8%89%EC%97%90%EA%B4%80%ED%95%9C%EA%B7%9C%EC%B9%99</a:t>
+              <a:t>https://blog.naver.com/kmjlmy5964/222191515331</a:t>
             </a:r>
             <a:endParaRPr lang="en-US" altLang="ko-KR" sz="1400" dirty="0"/>
           </a:p>
           <a:p>
-            <a:endParaRPr lang="en-US" altLang="ko-KR" sz="1400" dirty="0"/>
-          </a:p>
-          <a:p>
+            <a:endParaRPr lang="en-US" altLang="ko-KR" sz="1400" dirty="0">
+              <a:hlinkClick r:id="rId4"/>
+            </a:endParaRPr>
+          </a:p>
+          <a:p>
+            <a:r>
+              <a:rPr lang="en-US" altLang="ko-KR" sz="1400" dirty="0"/>
+              <a:t># </a:t>
+            </a:r>
             <a:r>
               <a:rPr lang="ko-KR" altLang="en-US" sz="1400" dirty="0"/>
-              <a:t>좀 </a:t>
-            </a:r>
-            <a:r>
-              <a:rPr lang="ko-KR" altLang="en-US" sz="1400" dirty="0" err="1"/>
-              <a:t>더보기</a:t>
-            </a:r>
-            <a:r>
-              <a:rPr lang="ko-KR" altLang="en-US" sz="1400" dirty="0"/>
-              <a:t> 쉬운 법령</a:t>
+              <a:t>청약법령</a:t>
+            </a:r>
+            <a:r>
+              <a:rPr lang="ko-KR" altLang="en-US" sz="1400" dirty="0">
+                <a:hlinkClick r:id="rId4"/>
+              </a:rPr>
+              <a:t> </a:t>
             </a:r>
             <a:r>
               <a:rPr lang="en-US" altLang="ko-KR" sz="1400" dirty="0">
                 <a:hlinkClick r:id="rId4"/>
               </a:rPr>
-              <a:t>https://www.easylaw.go.kr/CSP/CnpClsMain.laf?popMenu=ov&amp;csmSeq=873&amp;ccfNo=2&amp;cciNo=2&amp;cnpClsNo=1&amp;search_put=</a:t>
+              <a:t>https://www.law.go.kr/%EB%B2%95%EB%A0%B9/%EC%A3%BC%ED%83%9D%EA%B3%B5%EA%B8%89%EC%97%90%EA%B4%80%ED%95%9C%EA%B7%9C%EC%B9%99</a:t>
             </a:r>
             <a:endParaRPr lang="en-US" altLang="ko-KR" sz="1400" dirty="0"/>
           </a:p>
@@ -32726,17 +36186,18 @@
           </a:p>
           <a:p>
             <a:r>
+              <a:rPr lang="en-US" altLang="ko-KR" sz="1400" dirty="0"/>
+              <a:t># </a:t>
+            </a:r>
+            <a:r>
               <a:rPr lang="ko-KR" altLang="en-US" sz="1400" dirty="0"/>
-              <a:t>청약공고 </a:t>
-            </a:r>
-            <a:endParaRPr lang="en-US" altLang="ko-KR" sz="1400" dirty="0"/>
-          </a:p>
-          <a:p>
+              <a:t>좀 더 보기 쉬운 법령</a:t>
+            </a:r>
             <a:r>
               <a:rPr lang="en-US" altLang="ko-KR" sz="1400" dirty="0">
                 <a:hlinkClick r:id="rId5"/>
               </a:rPr>
-              <a:t>https://www.applyhome.co.kr/ai/aia/selectAPTLttotPblancListView.do</a:t>
+              <a:t>https://www.easylaw.go.kr/CSP/CnpClsMain.laf?popMenu=ov&amp;csmSeq=873&amp;ccfNo=2&amp;cciNo=2&amp;cnpClsNo=1&amp;search_put=</a:t>
             </a:r>
             <a:endParaRPr lang="en-US" altLang="ko-KR" sz="1400" dirty="0"/>
           </a:p>
@@ -32744,40 +36205,63 @@
             <a:endParaRPr lang="en-US" altLang="ko-KR" sz="1400" dirty="0"/>
           </a:p>
           <a:p>
+            <a:r>
+              <a:rPr lang="en-US" altLang="ko-KR" sz="1400" dirty="0"/>
+              <a:t># </a:t>
+            </a:r>
+            <a:r>
+              <a:rPr lang="ko-KR" altLang="en-US" sz="1400" dirty="0"/>
+              <a:t>청약공고 </a:t>
+            </a:r>
             <a:endParaRPr lang="en-US" altLang="ko-KR" sz="1400" dirty="0"/>
-          </a:p>
-          <a:p>
-            <a:r>
-              <a:rPr lang="ko-KR" altLang="en-US" sz="1400" dirty="0"/>
-              <a:t>이미지 수집</a:t>
-            </a:r>
-            <a:endParaRPr lang="en-US" altLang="ko-KR" sz="1400" dirty="0"/>
-          </a:p>
-          <a:p>
-            <a:endParaRPr lang="en-US" altLang="ko-KR" sz="1400" dirty="0"/>
-          </a:p>
-          <a:p>
-            <a:r>
-              <a:rPr lang="ko-KR" altLang="en-US" sz="1400" dirty="0" err="1">
-                <a:hlinkClick r:id="rId6"/>
-              </a:rPr>
-              <a:t>픽토그램</a:t>
-            </a:r>
-            <a:r>
-              <a:rPr lang="ko-KR" altLang="en-US" sz="1400" dirty="0">
-                <a:hlinkClick r:id="rId6"/>
-              </a:rPr>
-              <a:t> </a:t>
-            </a:r>
-            <a:endParaRPr lang="en-US" altLang="ko-KR" sz="1400" dirty="0">
-              <a:hlinkClick r:id="rId6"/>
-            </a:endParaRPr>
           </a:p>
           <a:p>
             <a:r>
               <a:rPr lang="en-US" altLang="ko-KR" sz="1400" dirty="0">
                 <a:hlinkClick r:id="rId6"/>
               </a:rPr>
+              <a:t>https://www.applyhome.co.kr/ai/aia/selectAPTLttotPblancListView.do</a:t>
+            </a:r>
+            <a:endParaRPr lang="en-US" altLang="ko-KR" sz="1400" dirty="0"/>
+          </a:p>
+          <a:p>
+            <a:endParaRPr lang="en-US" altLang="ko-KR" sz="1400" dirty="0"/>
+          </a:p>
+          <a:p>
+            <a:endParaRPr lang="en-US" altLang="ko-KR" sz="1400" dirty="0"/>
+          </a:p>
+          <a:p>
+            <a:r>
+              <a:rPr lang="ko-KR" altLang="en-US" sz="1400" dirty="0"/>
+              <a:t>이미지 수집</a:t>
+            </a:r>
+            <a:endParaRPr lang="en-US" altLang="ko-KR" sz="1400" dirty="0"/>
+          </a:p>
+          <a:p>
+            <a:endParaRPr lang="en-US" altLang="ko-KR" sz="1400" dirty="0"/>
+          </a:p>
+          <a:p>
+            <a:r>
+              <a:rPr lang="en-US" altLang="ko-KR" sz="1400" dirty="0"/>
+              <a:t># </a:t>
+            </a:r>
+            <a:r>
+              <a:rPr lang="ko-KR" altLang="en-US" sz="1400" dirty="0" err="1"/>
+              <a:t>픽토그램</a:t>
+            </a:r>
+            <a:r>
+              <a:rPr lang="ko-KR" altLang="en-US" sz="1400" dirty="0"/>
+              <a:t> </a:t>
+            </a:r>
+            <a:endParaRPr lang="en-US" altLang="ko-KR" sz="1400" dirty="0">
+              <a:hlinkClick r:id="rId7"/>
+            </a:endParaRPr>
+          </a:p>
+          <a:p>
+            <a:r>
+              <a:rPr lang="en-US" altLang="ko-KR" sz="1400" dirty="0">
+                <a:hlinkClick r:id="rId7"/>
+              </a:rPr>
               <a:t>http://www.flaticon.com</a:t>
             </a:r>
             <a:endParaRPr lang="en-US" altLang="ko-KR" sz="1400" dirty="0"/>
@@ -32786,6 +36270,10 @@
             <a:endParaRPr lang="en-US" altLang="ko-KR" sz="1400" dirty="0"/>
           </a:p>
           <a:p>
+            <a:r>
+              <a:rPr lang="en-US" altLang="ko-KR" sz="1400" dirty="0"/>
+              <a:t># </a:t>
+            </a:r>
             <a:r>
               <a:rPr lang="ko-KR" altLang="en-US" sz="1400" dirty="0"/>
               <a:t>이미지 </a:t>
@@ -32794,9 +36282,12 @@
           </a:p>
           <a:p>
             <a:r>
-              <a:rPr lang="en-US" altLang="ko-KR" sz="1400" dirty="0"/>
+              <a:rPr lang="en-US" altLang="ko-KR" sz="1400" dirty="0">
+                <a:hlinkClick r:id="rId8"/>
+              </a:rPr>
               <a:t>http://www.littledeep.com</a:t>
             </a:r>
+            <a:endParaRPr lang="en-US" altLang="ko-KR" sz="1400" dirty="0"/>
           </a:p>
         </p:txBody>
       </p:sp>
@@ -34701,7 +38192,7 @@
           <p:nvPr/>
         </p:nvPicPr>
         <p:blipFill>
-          <a:blip r:embed="rId2" cstate="print">
+          <a:blip r:embed="rId3" cstate="print">
             <a:extLst>
               <a:ext uri="{28A0092B-C50C-407E-A947-70E740481C1C}">
                 <a14:useLocalDpi xmlns:a14="http://schemas.microsoft.com/office/drawing/2010/main" val="0"/>
@@ -35747,7 +39238,7 @@
           <p:nvPr/>
         </p:nvPicPr>
         <p:blipFill>
-          <a:blip r:embed="rId2">
+          <a:blip r:embed="rId3">
             <a:extLst>
               <a:ext uri="{28A0092B-C50C-407E-A947-70E740481C1C}">
                 <a14:useLocalDpi xmlns:a14="http://schemas.microsoft.com/office/drawing/2010/main" val="0"/>
@@ -35832,7 +39323,7 @@
           <p:nvPr/>
         </p:nvPicPr>
         <p:blipFill>
-          <a:blip r:embed="rId3" cstate="print">
+          <a:blip r:embed="rId4" cstate="print">
             <a:extLst>
               <a:ext uri="{28A0092B-C50C-407E-A947-70E740481C1C}">
                 <a14:useLocalDpi xmlns:a14="http://schemas.microsoft.com/office/drawing/2010/main" val="0"/>
@@ -35879,7 +39370,7 @@
           <p:nvPr/>
         </p:nvPicPr>
         <p:blipFill>
-          <a:blip r:embed="rId4">
+          <a:blip r:embed="rId5">
             <a:extLst>
               <a:ext uri="{28A0092B-C50C-407E-A947-70E740481C1C}">
                 <a14:useLocalDpi xmlns:a14="http://schemas.microsoft.com/office/drawing/2010/main" val="0"/>
@@ -36420,7 +39911,7 @@
           <p:nvPr/>
         </p:nvPicPr>
         <p:blipFill rotWithShape="1">
-          <a:blip r:embed="rId2"/>
+          <a:blip r:embed="rId3"/>
           <a:srcRect b="45370"/>
           <a:stretch/>
         </p:blipFill>
@@ -36613,7 +40104,7 @@
             <p:nvPr/>
           </p:nvPicPr>
           <p:blipFill>
-            <a:blip r:embed="rId2" cstate="print">
+            <a:blip r:embed="rId3" cstate="print">
               <a:extLst>
                 <a:ext uri="{28A0092B-C50C-407E-A947-70E740481C1C}">
                   <a14:useLocalDpi xmlns:a14="http://schemas.microsoft.com/office/drawing/2010/main" val="0"/>
@@ -36660,7 +40151,7 @@
             <p:nvPr/>
           </p:nvPicPr>
           <p:blipFill>
-            <a:blip r:embed="rId3">
+            <a:blip r:embed="rId4">
               <a:extLst>
                 <a:ext uri="{28A0092B-C50C-407E-A947-70E740481C1C}">
                   <a14:useLocalDpi xmlns:a14="http://schemas.microsoft.com/office/drawing/2010/main" val="0"/>
@@ -36707,7 +40198,7 @@
             <p:nvPr/>
           </p:nvPicPr>
           <p:blipFill>
-            <a:blip r:embed="rId4">
+            <a:blip r:embed="rId5">
               <a:extLst>
                 <a:ext uri="{28A0092B-C50C-407E-A947-70E740481C1C}">
                   <a14:useLocalDpi xmlns:a14="http://schemas.microsoft.com/office/drawing/2010/main" val="0"/>
@@ -37161,7 +40652,7 @@
           <p:nvPr/>
         </p:nvPicPr>
         <p:blipFill>
-          <a:blip r:embed="rId5">
+          <a:blip r:embed="rId6">
             <a:extLst>
               <a:ext uri="{28A0092B-C50C-407E-A947-70E740481C1C}">
                 <a14:useLocalDpi xmlns:a14="http://schemas.microsoft.com/office/drawing/2010/main" val="0"/>
@@ -37208,7 +40699,7 @@
           <p:nvPr/>
         </p:nvPicPr>
         <p:blipFill>
-          <a:blip r:embed="rId5">
+          <a:blip r:embed="rId6">
             <a:extLst>
               <a:ext uri="{28A0092B-C50C-407E-A947-70E740481C1C}">
                 <a14:useLocalDpi xmlns:a14="http://schemas.microsoft.com/office/drawing/2010/main" val="0"/>
@@ -38055,7 +41546,7 @@
           <p:nvPr/>
         </p:nvPicPr>
         <p:blipFill>
-          <a:blip r:embed="rId2" cstate="print">
+          <a:blip r:embed="rId3" cstate="print">
             <a:extLst>
               <a:ext uri="{28A0092B-C50C-407E-A947-70E740481C1C}">
                 <a14:useLocalDpi xmlns:a14="http://schemas.microsoft.com/office/drawing/2010/main" val="0"/>
@@ -38138,7 +41629,7 @@
           <p:nvPr/>
         </p:nvPicPr>
         <p:blipFill>
-          <a:blip r:embed="rId3" cstate="print">
+          <a:blip r:embed="rId4" cstate="print">
             <a:extLst>
               <a:ext uri="{28A0092B-C50C-407E-A947-70E740481C1C}">
                 <a14:useLocalDpi xmlns:a14="http://schemas.microsoft.com/office/drawing/2010/main" val="0"/>
@@ -38230,7 +41721,7 @@
           <p:nvPr/>
         </p:nvPicPr>
         <p:blipFill>
-          <a:blip r:embed="rId4"/>
+          <a:blip r:embed="rId5"/>
           <a:stretch>
             <a:fillRect/>
           </a:stretch>
@@ -38260,7 +41751,7 @@
           <p:nvPr/>
         </p:nvPicPr>
         <p:blipFill>
-          <a:blip r:embed="rId5" cstate="print">
+          <a:blip r:embed="rId6" cstate="print">
             <a:extLst>
               <a:ext uri="{28A0092B-C50C-407E-A947-70E740481C1C}">
                 <a14:useLocalDpi xmlns:a14="http://schemas.microsoft.com/office/drawing/2010/main" val="0"/>
@@ -38307,7 +41798,7 @@
           <p:nvPr/>
         </p:nvPicPr>
         <p:blipFill>
-          <a:blip r:embed="rId6">
+          <a:blip r:embed="rId7">
             <a:extLst>
               <a:ext uri="{28A0092B-C50C-407E-A947-70E740481C1C}">
                 <a14:useLocalDpi xmlns:a14="http://schemas.microsoft.com/office/drawing/2010/main" val="0"/>
@@ -39134,7 +42625,7 @@
           <p:nvPr/>
         </p:nvPicPr>
         <p:blipFill>
-          <a:blip r:embed="rId2" cstate="print">
+          <a:blip r:embed="rId3" cstate="print">
             <a:extLst>
               <a:ext uri="{28A0092B-C50C-407E-A947-70E740481C1C}">
                 <a14:useLocalDpi xmlns:a14="http://schemas.microsoft.com/office/drawing/2010/main" val="0"/>
@@ -39181,7 +42672,7 @@
           <p:nvPr/>
         </p:nvPicPr>
         <p:blipFill>
-          <a:blip r:embed="rId3" cstate="print">
+          <a:blip r:embed="rId4" cstate="print">
             <a:extLst>
               <a:ext uri="{28A0092B-C50C-407E-A947-70E740481C1C}">
                 <a14:useLocalDpi xmlns:a14="http://schemas.microsoft.com/office/drawing/2010/main" val="0"/>
@@ -39228,7 +42719,7 @@
           <p:nvPr/>
         </p:nvPicPr>
         <p:blipFill rotWithShape="1">
-          <a:blip r:embed="rId4" cstate="print">
+          <a:blip r:embed="rId5" cstate="print">
             <a:extLst>
               <a:ext uri="{28A0092B-C50C-407E-A947-70E740481C1C}">
                 <a14:useLocalDpi xmlns:a14="http://schemas.microsoft.com/office/drawing/2010/main" val="0"/>
@@ -39273,7 +42764,7 @@
           <p:nvPr/>
         </p:nvPicPr>
         <p:blipFill>
-          <a:blip r:embed="rId5" cstate="print">
+          <a:blip r:embed="rId6" cstate="print">
             <a:extLst>
               <a:ext uri="{28A0092B-C50C-407E-A947-70E740481C1C}">
                 <a14:useLocalDpi xmlns:a14="http://schemas.microsoft.com/office/drawing/2010/main" val="0"/>
@@ -39320,7 +42811,7 @@
           <p:nvPr/>
         </p:nvPicPr>
         <p:blipFill>
-          <a:blip r:embed="rId6">
+          <a:blip r:embed="rId7">
             <a:extLst>
               <a:ext uri="{28A0092B-C50C-407E-A947-70E740481C1C}">
                 <a14:useLocalDpi xmlns:a14="http://schemas.microsoft.com/office/drawing/2010/main" val="0"/>
@@ -40060,4 +43551,299 @@
   <a:objectDefaults/>
   <a:extraClrSchemeLst/>
 </a:theme>
+</file>
+
+<file path=ppt/theme/theme2.xml><?xml version="1.0" encoding="utf-8"?>
+<a:theme xmlns:a="http://schemas.openxmlformats.org/drawingml/2006/main" name="Office 테마">
+  <a:themeElements>
+    <a:clrScheme name="Office">
+      <a:dk1>
+        <a:sysClr val="windowText" lastClr="000000"/>
+      </a:dk1>
+      <a:lt1>
+        <a:sysClr val="window" lastClr="FFFFFF"/>
+      </a:lt1>
+      <a:dk2>
+        <a:srgbClr val="44546A"/>
+      </a:dk2>
+      <a:lt2>
+        <a:srgbClr val="E7E6E6"/>
+      </a:lt2>
+      <a:accent1>
+        <a:srgbClr val="4472C4"/>
+      </a:accent1>
+      <a:accent2>
+        <a:srgbClr val="ED7D31"/>
+      </a:accent2>
+      <a:accent3>
+        <a:srgbClr val="A5A5A5"/>
+      </a:accent3>
+      <a:accent4>
+        <a:srgbClr val="FFC000"/>
+      </a:accent4>
+      <a:accent5>
+        <a:srgbClr val="5B9BD5"/>
+      </a:accent5>
+      <a:accent6>
+        <a:srgbClr val="70AD47"/>
+      </a:accent6>
+      <a:hlink>
+        <a:srgbClr val="0563C1"/>
+      </a:hlink>
+      <a:folHlink>
+        <a:srgbClr val="954F72"/>
+      </a:folHlink>
+    </a:clrScheme>
+    <a:fontScheme name="Office">
+      <a:majorFont>
+        <a:latin typeface="맑은 고딕" panose="020F0302020204030204"/>
+        <a:ea typeface=""/>
+        <a:cs typeface=""/>
+        <a:font script="Jpan" typeface="游ゴシック Light"/>
+        <a:font script="Hang" typeface="맑은 고딕"/>
+        <a:font script="Hans" typeface="等线 Light"/>
+        <a:font script="Hant" typeface="新細明體"/>
+        <a:font script="Arab" typeface="Times New Roman"/>
+        <a:font script="Hebr" typeface="Times New Roman"/>
+        <a:font script="Thai" typeface="Angsana New"/>
+        <a:font script="Ethi" typeface="Nyala"/>
+        <a:font script="Beng" typeface="Vrinda"/>
+        <a:font script="Gujr" typeface="Shruti"/>
+        <a:font script="Khmr" typeface="MoolBoran"/>
+        <a:font script="Knda" typeface="Tunga"/>
+        <a:font script="Guru" typeface="Raavi"/>
+        <a:font script="Cans" typeface="Euphemia"/>
+        <a:font script="Cher" typeface="Plantagenet Cherokee"/>
+        <a:font script="Yiii" typeface="Microsoft Yi Baiti"/>
+        <a:font script="Tibt" typeface="Microsoft Himalaya"/>
+        <a:font script="Thaa" typeface="MV Boli"/>
+        <a:font script="Deva" typeface="Mangal"/>
+        <a:font script="Telu" typeface="Gautami"/>
+        <a:font script="Taml" typeface="Latha"/>
+        <a:font script="Syrc" typeface="Estrangelo Edessa"/>
+        <a:font script="Orya" typeface="Kalinga"/>
+        <a:font script="Mlym" typeface="Kartika"/>
+        <a:font script="Laoo" typeface="DokChampa"/>
+        <a:font script="Sinh" typeface="Iskoola Pota"/>
+        <a:font script="Mong" typeface="Mongolian Baiti"/>
+        <a:font script="Viet" typeface="Times New Roman"/>
+        <a:font script="Uigh" typeface="Microsoft Uighur"/>
+        <a:font script="Geor" typeface="Sylfaen"/>
+        <a:font script="Armn" typeface="Arial"/>
+        <a:font script="Bugi" typeface="Leelawadee UI"/>
+        <a:font script="Bopo" typeface="Microsoft JhengHei"/>
+        <a:font script="Java" typeface="Javanese Text"/>
+        <a:font script="Lisu" typeface="Segoe UI"/>
+        <a:font script="Mymr" typeface="Myanmar Text"/>
+        <a:font script="Nkoo" typeface="Ebrima"/>
+        <a:font script="Olck" typeface="Nirmala UI"/>
+        <a:font script="Osma" typeface="Ebrima"/>
+        <a:font script="Phag" typeface="Phagspa"/>
+        <a:font script="Syrn" typeface="Estrangelo Edessa"/>
+        <a:font script="Syrj" typeface="Estrangelo Edessa"/>
+        <a:font script="Syre" typeface="Estrangelo Edessa"/>
+        <a:font script="Sora" typeface="Nirmala UI"/>
+        <a:font script="Tale" typeface="Microsoft Tai Le"/>
+        <a:font script="Talu" typeface="Microsoft New Tai Lue"/>
+        <a:font script="Tfng" typeface="Ebrima"/>
+      </a:majorFont>
+      <a:minorFont>
+        <a:latin typeface="맑은 고딕" panose="020F0502020204030204"/>
+        <a:ea typeface=""/>
+        <a:cs typeface=""/>
+        <a:font script="Jpan" typeface="游ゴシック"/>
+        <a:font script="Hang" typeface="맑은 고딕"/>
+        <a:font script="Hans" typeface="等线"/>
+        <a:font script="Hant" typeface="新細明體"/>
+        <a:font script="Arab" typeface="Arial"/>
+        <a:font script="Hebr" typeface="Arial"/>
+        <a:font script="Thai" typeface="Cordia New"/>
+        <a:font script="Ethi" typeface="Nyala"/>
+        <a:font script="Beng" typeface="Vrinda"/>
+        <a:font script="Gujr" typeface="Shruti"/>
+        <a:font script="Khmr" typeface="DaunPenh"/>
+        <a:font script="Knda" typeface="Tunga"/>
+        <a:font script="Guru" typeface="Raavi"/>
+        <a:font script="Cans" typeface="Euphemia"/>
+        <a:font script="Cher" typeface="Plantagenet Cherokee"/>
+        <a:font script="Yiii" typeface="Microsoft Yi Baiti"/>
+        <a:font script="Tibt" typeface="Microsoft Himalaya"/>
+        <a:font script="Thaa" typeface="MV Boli"/>
+        <a:font script="Deva" typeface="Mangal"/>
+        <a:font script="Telu" typeface="Gautami"/>
+        <a:font script="Taml" typeface="Latha"/>
+        <a:font script="Syrc" typeface="Estrangelo Edessa"/>
+        <a:font script="Orya" typeface="Kalinga"/>
+        <a:font script="Mlym" typeface="Kartika"/>
+        <a:font script="Laoo" typeface="DokChampa"/>
+        <a:font script="Sinh" typeface="Iskoola Pota"/>
+        <a:font script="Mong" typeface="Mongolian Baiti"/>
+        <a:font script="Viet" typeface="Arial"/>
+        <a:font script="Uigh" typeface="Microsoft Uighur"/>
+        <a:font script="Geor" typeface="Sylfaen"/>
+        <a:font script="Armn" typeface="Arial"/>
+        <a:font script="Bugi" typeface="Leelawadee UI"/>
+        <a:font script="Bopo" typeface="Microsoft JhengHei"/>
+        <a:font script="Java" typeface="Javanese Text"/>
+        <a:font script="Lisu" typeface="Segoe UI"/>
+        <a:font script="Mymr" typeface="Myanmar Text"/>
+        <a:font script="Nkoo" typeface="Ebrima"/>
+        <a:font script="Olck" typeface="Nirmala UI"/>
+        <a:font script="Osma" typeface="Ebrima"/>
+        <a:font script="Phag" typeface="Phagspa"/>
+        <a:font script="Syrn" typeface="Estrangelo Edessa"/>
+        <a:font script="Syrj" typeface="Estrangelo Edessa"/>
+        <a:font script="Syre" typeface="Estrangelo Edessa"/>
+        <a:font script="Sora" typeface="Nirmala UI"/>
+        <a:font script="Tale" typeface="Microsoft Tai Le"/>
+        <a:font script="Talu" typeface="Microsoft New Tai Lue"/>
+        <a:font script="Tfng" typeface="Ebrima"/>
+      </a:minorFont>
+    </a:fontScheme>
+    <a:fmtScheme name="Office">
+      <a:fillStyleLst>
+        <a:solidFill>
+          <a:schemeClr val="phClr"/>
+        </a:solidFill>
+        <a:gradFill rotWithShape="1">
+          <a:gsLst>
+            <a:gs pos="0">
+              <a:schemeClr val="phClr">
+                <a:lumMod val="110000"/>
+                <a:satMod val="105000"/>
+                <a:tint val="67000"/>
+              </a:schemeClr>
+            </a:gs>
+            <a:gs pos="50000">
+              <a:schemeClr val="phClr">
+                <a:lumMod val="105000"/>
+                <a:satMod val="103000"/>
+                <a:tint val="73000"/>
+              </a:schemeClr>
+            </a:gs>
+            <a:gs pos="100000">
+              <a:schemeClr val="phClr">
+                <a:lumMod val="105000"/>
+                <a:satMod val="109000"/>
+                <a:tint val="81000"/>
+              </a:schemeClr>
+            </a:gs>
+          </a:gsLst>
+          <a:lin ang="5400000" scaled="0"/>
+        </a:gradFill>
+        <a:gradFill rotWithShape="1">
+          <a:gsLst>
+            <a:gs pos="0">
+              <a:schemeClr val="phClr">
+                <a:satMod val="103000"/>
+                <a:lumMod val="102000"/>
+                <a:tint val="94000"/>
+              </a:schemeClr>
+            </a:gs>
+            <a:gs pos="50000">
+              <a:schemeClr val="phClr">
+                <a:satMod val="110000"/>
+                <a:lumMod val="100000"/>
+                <a:shade val="100000"/>
+              </a:schemeClr>
+            </a:gs>
+            <a:gs pos="100000">
+              <a:schemeClr val="phClr">
+                <a:lumMod val="99000"/>
+                <a:satMod val="120000"/>
+                <a:shade val="78000"/>
+              </a:schemeClr>
+            </a:gs>
+          </a:gsLst>
+          <a:lin ang="5400000" scaled="0"/>
+        </a:gradFill>
+      </a:fillStyleLst>
+      <a:lnStyleLst>
+        <a:ln w="6350" cap="flat" cmpd="sng" algn="ctr">
+          <a:solidFill>
+            <a:schemeClr val="phClr"/>
+          </a:solidFill>
+          <a:prstDash val="solid"/>
+          <a:miter lim="800000"/>
+        </a:ln>
+        <a:ln w="12700" cap="flat" cmpd="sng" algn="ctr">
+          <a:solidFill>
+            <a:schemeClr val="phClr"/>
+          </a:solidFill>
+          <a:prstDash val="solid"/>
+          <a:miter lim="800000"/>
+        </a:ln>
+        <a:ln w="19050" cap="flat" cmpd="sng" algn="ctr">
+          <a:solidFill>
+            <a:schemeClr val="phClr"/>
+          </a:solidFill>
+          <a:prstDash val="solid"/>
+          <a:miter lim="800000"/>
+        </a:ln>
+      </a:lnStyleLst>
+      <a:effectStyleLst>
+        <a:effectStyle>
+          <a:effectLst/>
+        </a:effectStyle>
+        <a:effectStyle>
+          <a:effectLst/>
+        </a:effectStyle>
+        <a:effectStyle>
+          <a:effectLst>
+            <a:outerShdw blurRad="57150" dist="19050" dir="5400000" algn="ctr" rotWithShape="0">
+              <a:srgbClr val="000000">
+                <a:alpha val="63000"/>
+              </a:srgbClr>
+            </a:outerShdw>
+          </a:effectLst>
+        </a:effectStyle>
+      </a:effectStyleLst>
+      <a:bgFillStyleLst>
+        <a:solidFill>
+          <a:schemeClr val="phClr"/>
+        </a:solidFill>
+        <a:solidFill>
+          <a:schemeClr val="phClr">
+            <a:tint val="95000"/>
+            <a:satMod val="170000"/>
+          </a:schemeClr>
+        </a:solidFill>
+        <a:gradFill rotWithShape="1">
+          <a:gsLst>
+            <a:gs pos="0">
+              <a:schemeClr val="phClr">
+                <a:tint val="93000"/>
+                <a:satMod val="150000"/>
+                <a:shade val="98000"/>
+                <a:lumMod val="102000"/>
+              </a:schemeClr>
+            </a:gs>
+            <a:gs pos="50000">
+              <a:schemeClr val="phClr">
+                <a:tint val="98000"/>
+                <a:satMod val="130000"/>
+                <a:shade val="90000"/>
+                <a:lumMod val="103000"/>
+              </a:schemeClr>
+            </a:gs>
+            <a:gs pos="100000">
+              <a:schemeClr val="phClr">
+                <a:shade val="63000"/>
+                <a:satMod val="120000"/>
+              </a:schemeClr>
+            </a:gs>
+          </a:gsLst>
+          <a:lin ang="5400000" scaled="0"/>
+        </a:gradFill>
+      </a:bgFillStyleLst>
+    </a:fmtScheme>
+  </a:themeElements>
+  <a:objectDefaults/>
+  <a:extraClrSchemeLst/>
+  <a:extLst>
+    <a:ext uri="{05A4C25C-085E-4340-85A3-A5531E510DB2}">
+      <thm15:themeFamily xmlns:thm15="http://schemas.microsoft.com/office/thememl/2012/main" name="Office Theme" id="{62F939B6-93AF-4DB8-9C6B-D6C7DFDC589F}" vid="{4A3C46E8-61CC-4603-A589-7422A47A8E4A}"/>
+    </a:ext>
+  </a:extLst>
+</a:theme>
 </file>